--- a/code flow empirical data analysis.pptx
+++ b/code flow empirical data analysis.pptx
@@ -259,7 +259,7 @@
           <a:p>
             <a:fld id="{294BBAB1-08FA-4174-8EA6-5823210D9EE7}" type="datetimeFigureOut">
               <a:rPr lang="en-US" smtClean="0"/>
-              <a:t>12/1/2021</a:t>
+              <a:t>12/3/2021</a:t>
             </a:fld>
             <a:endParaRPr lang="en-US"/>
           </a:p>
@@ -457,7 +457,7 @@
           <a:p>
             <a:fld id="{294BBAB1-08FA-4174-8EA6-5823210D9EE7}" type="datetimeFigureOut">
               <a:rPr lang="en-US" smtClean="0"/>
-              <a:t>12/1/2021</a:t>
+              <a:t>12/3/2021</a:t>
             </a:fld>
             <a:endParaRPr lang="en-US"/>
           </a:p>
@@ -665,7 +665,7 @@
           <a:p>
             <a:fld id="{294BBAB1-08FA-4174-8EA6-5823210D9EE7}" type="datetimeFigureOut">
               <a:rPr lang="en-US" smtClean="0"/>
-              <a:t>12/1/2021</a:t>
+              <a:t>12/3/2021</a:t>
             </a:fld>
             <a:endParaRPr lang="en-US"/>
           </a:p>
@@ -863,7 +863,7 @@
           <a:p>
             <a:fld id="{294BBAB1-08FA-4174-8EA6-5823210D9EE7}" type="datetimeFigureOut">
               <a:rPr lang="en-US" smtClean="0"/>
-              <a:t>12/1/2021</a:t>
+              <a:t>12/3/2021</a:t>
             </a:fld>
             <a:endParaRPr lang="en-US"/>
           </a:p>
@@ -1138,7 +1138,7 @@
           <a:p>
             <a:fld id="{294BBAB1-08FA-4174-8EA6-5823210D9EE7}" type="datetimeFigureOut">
               <a:rPr lang="en-US" smtClean="0"/>
-              <a:t>12/1/2021</a:t>
+              <a:t>12/3/2021</a:t>
             </a:fld>
             <a:endParaRPr lang="en-US"/>
           </a:p>
@@ -1403,7 +1403,7 @@
           <a:p>
             <a:fld id="{294BBAB1-08FA-4174-8EA6-5823210D9EE7}" type="datetimeFigureOut">
               <a:rPr lang="en-US" smtClean="0"/>
-              <a:t>12/1/2021</a:t>
+              <a:t>12/3/2021</a:t>
             </a:fld>
             <a:endParaRPr lang="en-US"/>
           </a:p>
@@ -1815,7 +1815,7 @@
           <a:p>
             <a:fld id="{294BBAB1-08FA-4174-8EA6-5823210D9EE7}" type="datetimeFigureOut">
               <a:rPr lang="en-US" smtClean="0"/>
-              <a:t>12/1/2021</a:t>
+              <a:t>12/3/2021</a:t>
             </a:fld>
             <a:endParaRPr lang="en-US"/>
           </a:p>
@@ -1956,7 +1956,7 @@
           <a:p>
             <a:fld id="{294BBAB1-08FA-4174-8EA6-5823210D9EE7}" type="datetimeFigureOut">
               <a:rPr lang="en-US" smtClean="0"/>
-              <a:t>12/1/2021</a:t>
+              <a:t>12/3/2021</a:t>
             </a:fld>
             <a:endParaRPr lang="en-US"/>
           </a:p>
@@ -2069,7 +2069,7 @@
           <a:p>
             <a:fld id="{294BBAB1-08FA-4174-8EA6-5823210D9EE7}" type="datetimeFigureOut">
               <a:rPr lang="en-US" smtClean="0"/>
-              <a:t>12/1/2021</a:t>
+              <a:t>12/3/2021</a:t>
             </a:fld>
             <a:endParaRPr lang="en-US"/>
           </a:p>
@@ -2380,7 +2380,7 @@
           <a:p>
             <a:fld id="{294BBAB1-08FA-4174-8EA6-5823210D9EE7}" type="datetimeFigureOut">
               <a:rPr lang="en-US" smtClean="0"/>
-              <a:t>12/1/2021</a:t>
+              <a:t>12/3/2021</a:t>
             </a:fld>
             <a:endParaRPr lang="en-US"/>
           </a:p>
@@ -2668,7 +2668,7 @@
           <a:p>
             <a:fld id="{294BBAB1-08FA-4174-8EA6-5823210D9EE7}" type="datetimeFigureOut">
               <a:rPr lang="en-US" smtClean="0"/>
-              <a:t>12/1/2021</a:t>
+              <a:t>12/3/2021</a:t>
             </a:fld>
             <a:endParaRPr lang="en-US"/>
           </a:p>
@@ -2909,7 +2909,7 @@
           <a:p>
             <a:fld id="{294BBAB1-08FA-4174-8EA6-5823210D9EE7}" type="datetimeFigureOut">
               <a:rPr lang="en-US" smtClean="0"/>
-              <a:t>12/1/2021</a:t>
+              <a:t>12/3/2021</a:t>
             </a:fld>
             <a:endParaRPr lang="en-US"/>
           </a:p>
@@ -3344,7 +3344,7 @@
         </p:nvCxnSpPr>
         <p:spPr>
           <a:xfrm flipV="1">
-            <a:off x="2980386" y="324800"/>
+            <a:off x="3849066" y="1393582"/>
             <a:ext cx="530911" cy="886177"/>
           </a:xfrm>
           <a:prstGeom prst="straightConnector1">
@@ -3387,7 +3387,7 @@
         </p:nvCxnSpPr>
         <p:spPr>
           <a:xfrm flipV="1">
-            <a:off x="2980386" y="892477"/>
+            <a:off x="3849066" y="1961259"/>
             <a:ext cx="584843" cy="318500"/>
           </a:xfrm>
           <a:prstGeom prst="straightConnector1">
@@ -3430,7 +3430,7 @@
         </p:nvCxnSpPr>
         <p:spPr>
           <a:xfrm>
-            <a:off x="2980386" y="1210977"/>
+            <a:off x="3849066" y="2279759"/>
             <a:ext cx="695130" cy="249177"/>
           </a:xfrm>
           <a:prstGeom prst="straightConnector1">
@@ -3457,10 +3457,10 @@
       </p:cxnSp>
       <p:sp>
         <p:nvSpPr>
-          <p:cNvPr id="20" name="TextBox 19">
-            <a:extLst>
-              <a:ext uri="{FF2B5EF4-FFF2-40B4-BE49-F238E27FC236}">
-                <a16:creationId xmlns:a16="http://schemas.microsoft.com/office/drawing/2014/main" id="{9B40E376-F724-47CA-9D99-633739E1EDE7}"/>
+          <p:cNvPr id="31" name="TextBox 30">
+            <a:extLst>
+              <a:ext uri="{FF2B5EF4-FFF2-40B4-BE49-F238E27FC236}">
+                <a16:creationId xmlns:a16="http://schemas.microsoft.com/office/drawing/2014/main" id="{C0D97ED9-ACB7-4D67-A3F3-55E08435CCCA}"/>
               </a:ext>
             </a:extLst>
           </p:cNvPr>
@@ -3469,179 +3469,7 @@
         </p:nvSpPr>
         <p:spPr>
           <a:xfrm>
-            <a:off x="6082770" y="293583"/>
-            <a:ext cx="905628" cy="369332"/>
-          </a:xfrm>
-          <a:prstGeom prst="rect">
-            <a:avLst/>
-          </a:prstGeom>
-          <a:solidFill>
-            <a:schemeClr val="bg2"/>
-          </a:solidFill>
-          <a:ln>
-            <a:solidFill>
-              <a:schemeClr val="tx1"/>
-            </a:solidFill>
-          </a:ln>
-        </p:spPr>
-        <p:txBody>
-          <a:bodyPr wrap="square" rtlCol="0">
-            <a:spAutoFit/>
-          </a:bodyPr>
-          <a:lstStyle/>
-          <a:p>
-            <a:r>
-              <a:rPr lang="en-US" dirty="0" err="1"/>
-              <a:t>maps.R</a:t>
-            </a:r>
-            <a:endParaRPr lang="en-US" dirty="0"/>
-          </a:p>
-        </p:txBody>
-      </p:sp>
-      <p:cxnSp>
-        <p:nvCxnSpPr>
-          <p:cNvPr id="24" name="Straight Arrow Connector 23">
-            <a:extLst>
-              <a:ext uri="{FF2B5EF4-FFF2-40B4-BE49-F238E27FC236}">
-                <a16:creationId xmlns:a16="http://schemas.microsoft.com/office/drawing/2014/main" id="{FEF5D91E-12EF-4AB3-A4B3-E71DEEBBCB15}"/>
-              </a:ext>
-            </a:extLst>
-          </p:cNvPr>
-          <p:cNvCxnSpPr>
-            <a:cxnSpLocks/>
-            <a:stCxn id="6" idx="3"/>
-            <a:endCxn id="20" idx="1"/>
-          </p:cNvCxnSpPr>
-          <p:nvPr/>
-        </p:nvCxnSpPr>
-        <p:spPr>
-          <a:xfrm>
-            <a:off x="5325229" y="324800"/>
-            <a:ext cx="757541" cy="153449"/>
-          </a:xfrm>
-          <a:prstGeom prst="straightConnector1">
-            <a:avLst/>
-          </a:prstGeom>
-          <a:ln>
-            <a:tailEnd type="triangle"/>
-          </a:ln>
-        </p:spPr>
-        <p:style>
-          <a:lnRef idx="1">
-            <a:schemeClr val="accent1"/>
-          </a:lnRef>
-          <a:fillRef idx="0">
-            <a:schemeClr val="accent1"/>
-          </a:fillRef>
-          <a:effectRef idx="0">
-            <a:schemeClr val="accent1"/>
-          </a:effectRef>
-          <a:fontRef idx="minor">
-            <a:schemeClr val="tx1"/>
-          </a:fontRef>
-        </p:style>
-      </p:cxnSp>
-      <p:cxnSp>
-        <p:nvCxnSpPr>
-          <p:cNvPr id="25" name="Straight Arrow Connector 24">
-            <a:extLst>
-              <a:ext uri="{FF2B5EF4-FFF2-40B4-BE49-F238E27FC236}">
-                <a16:creationId xmlns:a16="http://schemas.microsoft.com/office/drawing/2014/main" id="{621D9991-7756-466C-8CBB-DD4E5D81450F}"/>
-              </a:ext>
-            </a:extLst>
-          </p:cNvPr>
-          <p:cNvCxnSpPr>
-            <a:cxnSpLocks/>
-            <a:stCxn id="21" idx="3"/>
-            <a:endCxn id="20" idx="1"/>
-          </p:cNvCxnSpPr>
-          <p:nvPr/>
-        </p:nvCxnSpPr>
-        <p:spPr>
-          <a:xfrm flipV="1">
-            <a:off x="5065776" y="478249"/>
-            <a:ext cx="1016994" cy="1688082"/>
-          </a:xfrm>
-          <a:prstGeom prst="straightConnector1">
-            <a:avLst/>
-          </a:prstGeom>
-          <a:ln>
-            <a:tailEnd type="triangle"/>
-          </a:ln>
-        </p:spPr>
-        <p:style>
-          <a:lnRef idx="1">
-            <a:schemeClr val="accent1"/>
-          </a:lnRef>
-          <a:fillRef idx="0">
-            <a:schemeClr val="accent1"/>
-          </a:fillRef>
-          <a:effectRef idx="0">
-            <a:schemeClr val="accent1"/>
-          </a:effectRef>
-          <a:fontRef idx="minor">
-            <a:schemeClr val="tx1"/>
-          </a:fontRef>
-        </p:style>
-      </p:cxnSp>
-      <p:cxnSp>
-        <p:nvCxnSpPr>
-          <p:cNvPr id="28" name="Straight Arrow Connector 27">
-            <a:extLst>
-              <a:ext uri="{FF2B5EF4-FFF2-40B4-BE49-F238E27FC236}">
-                <a16:creationId xmlns:a16="http://schemas.microsoft.com/office/drawing/2014/main" id="{2AD857A7-425A-481E-9ABD-92CF2EDA087C}"/>
-              </a:ext>
-            </a:extLst>
-          </p:cNvPr>
-          <p:cNvCxnSpPr>
-            <a:cxnSpLocks/>
-            <a:stCxn id="22" idx="3"/>
-            <a:endCxn id="20" idx="1"/>
-          </p:cNvCxnSpPr>
-          <p:nvPr/>
-        </p:nvCxnSpPr>
-        <p:spPr>
-          <a:xfrm flipV="1">
-            <a:off x="5065776" y="478249"/>
-            <a:ext cx="1016994" cy="2500270"/>
-          </a:xfrm>
-          <a:prstGeom prst="straightConnector1">
-            <a:avLst/>
-          </a:prstGeom>
-          <a:ln>
-            <a:tailEnd type="triangle"/>
-          </a:ln>
-        </p:spPr>
-        <p:style>
-          <a:lnRef idx="1">
-            <a:schemeClr val="accent1"/>
-          </a:lnRef>
-          <a:fillRef idx="0">
-            <a:schemeClr val="accent1"/>
-          </a:fillRef>
-          <a:effectRef idx="0">
-            <a:schemeClr val="accent1"/>
-          </a:effectRef>
-          <a:fontRef idx="minor">
-            <a:schemeClr val="tx1"/>
-          </a:fontRef>
-        </p:style>
-      </p:cxnSp>
-      <p:sp>
-        <p:nvSpPr>
-          <p:cNvPr id="31" name="TextBox 30">
-            <a:extLst>
-              <a:ext uri="{FF2B5EF4-FFF2-40B4-BE49-F238E27FC236}">
-                <a16:creationId xmlns:a16="http://schemas.microsoft.com/office/drawing/2014/main" id="{C0D97ED9-ACB7-4D67-A3F3-55E08435CCCA}"/>
-              </a:ext>
-            </a:extLst>
-          </p:cNvPr>
-          <p:cNvSpPr txBox="1"/>
-          <p:nvPr/>
-        </p:nvSpPr>
-        <p:spPr>
-          <a:xfrm>
-            <a:off x="-411480" y="748332"/>
+            <a:off x="457200" y="1817114"/>
             <a:ext cx="1337049" cy="369332"/>
           </a:xfrm>
           <a:prstGeom prst="rect">
@@ -3687,7 +3515,7 @@
         </p:nvCxnSpPr>
         <p:spPr>
           <a:xfrm>
-            <a:off x="925569" y="932998"/>
+            <a:off x="1794249" y="2001780"/>
             <a:ext cx="347565" cy="277979"/>
           </a:xfrm>
           <a:prstGeom prst="straightConnector1">
@@ -3730,7 +3558,7 @@
         </p:nvCxnSpPr>
         <p:spPr>
           <a:xfrm flipV="1">
-            <a:off x="925569" y="1210977"/>
+            <a:off x="1794249" y="2279759"/>
             <a:ext cx="347565" cy="249177"/>
           </a:xfrm>
           <a:prstGeom prst="straightConnector1">
@@ -3757,932 +3585,6 @@
       </p:cxnSp>
       <p:cxnSp>
         <p:nvCxnSpPr>
-          <p:cNvPr id="42" name="Straight Arrow Connector 41">
-            <a:extLst>
-              <a:ext uri="{FF2B5EF4-FFF2-40B4-BE49-F238E27FC236}">
-                <a16:creationId xmlns:a16="http://schemas.microsoft.com/office/drawing/2014/main" id="{704C6434-6297-488E-B7E0-60FF563ACF85}"/>
-              </a:ext>
-            </a:extLst>
-          </p:cNvPr>
-          <p:cNvCxnSpPr>
-            <a:cxnSpLocks/>
-            <a:stCxn id="7" idx="3"/>
-            <a:endCxn id="20" idx="1"/>
-          </p:cNvCxnSpPr>
-          <p:nvPr/>
-        </p:nvCxnSpPr>
-        <p:spPr>
-          <a:xfrm flipV="1">
-            <a:off x="5188438" y="478249"/>
-            <a:ext cx="894332" cy="414228"/>
-          </a:xfrm>
-          <a:prstGeom prst="straightConnector1">
-            <a:avLst/>
-          </a:prstGeom>
-          <a:ln>
-            <a:tailEnd type="triangle"/>
-          </a:ln>
-        </p:spPr>
-        <p:style>
-          <a:lnRef idx="1">
-            <a:schemeClr val="accent1"/>
-          </a:lnRef>
-          <a:fillRef idx="0">
-            <a:schemeClr val="accent1"/>
-          </a:fillRef>
-          <a:effectRef idx="0">
-            <a:schemeClr val="accent1"/>
-          </a:effectRef>
-          <a:fontRef idx="minor">
-            <a:schemeClr val="tx1"/>
-          </a:fontRef>
-        </p:style>
-      </p:cxnSp>
-      <p:cxnSp>
-        <p:nvCxnSpPr>
-          <p:cNvPr id="45" name="Straight Arrow Connector 44">
-            <a:extLst>
-              <a:ext uri="{FF2B5EF4-FFF2-40B4-BE49-F238E27FC236}">
-                <a16:creationId xmlns:a16="http://schemas.microsoft.com/office/drawing/2014/main" id="{46F14CDD-1470-47BB-BBFA-BE38A84DC524}"/>
-              </a:ext>
-            </a:extLst>
-          </p:cNvPr>
-          <p:cNvCxnSpPr>
-            <a:cxnSpLocks/>
-            <a:stCxn id="31" idx="3"/>
-            <a:endCxn id="20" idx="1"/>
-          </p:cNvCxnSpPr>
-          <p:nvPr/>
-        </p:nvCxnSpPr>
-        <p:spPr>
-          <a:xfrm flipV="1">
-            <a:off x="925569" y="478249"/>
-            <a:ext cx="5157201" cy="454749"/>
-          </a:xfrm>
-          <a:prstGeom prst="straightConnector1">
-            <a:avLst/>
-          </a:prstGeom>
-          <a:ln>
-            <a:tailEnd type="triangle"/>
-          </a:ln>
-        </p:spPr>
-        <p:style>
-          <a:lnRef idx="1">
-            <a:schemeClr val="accent1"/>
-          </a:lnRef>
-          <a:fillRef idx="0">
-            <a:schemeClr val="accent1"/>
-          </a:fillRef>
-          <a:effectRef idx="0">
-            <a:schemeClr val="accent1"/>
-          </a:effectRef>
-          <a:fontRef idx="minor">
-            <a:schemeClr val="tx1"/>
-          </a:fontRef>
-        </p:style>
-      </p:cxnSp>
-      <p:sp>
-        <p:nvSpPr>
-          <p:cNvPr id="48" name="TextBox 47">
-            <a:extLst>
-              <a:ext uri="{FF2B5EF4-FFF2-40B4-BE49-F238E27FC236}">
-                <a16:creationId xmlns:a16="http://schemas.microsoft.com/office/drawing/2014/main" id="{18A76F55-5DCE-445E-A236-814BEB960C3D}"/>
-              </a:ext>
-            </a:extLst>
-          </p:cNvPr>
-          <p:cNvSpPr txBox="1"/>
-          <p:nvPr/>
-        </p:nvSpPr>
-        <p:spPr>
-          <a:xfrm>
-            <a:off x="7831877" y="273049"/>
-            <a:ext cx="1308559" cy="369332"/>
-          </a:xfrm>
-          <a:prstGeom prst="rect">
-            <a:avLst/>
-          </a:prstGeom>
-          <a:solidFill>
-            <a:schemeClr val="accent2">
-              <a:lumMod val="20000"/>
-              <a:lumOff val="80000"/>
-            </a:schemeClr>
-          </a:solidFill>
-          <a:ln>
-            <a:solidFill>
-              <a:srgbClr val="FF0000"/>
-            </a:solidFill>
-          </a:ln>
-        </p:spPr>
-        <p:txBody>
-          <a:bodyPr wrap="square" rtlCol="0">
-            <a:spAutoFit/>
-          </a:bodyPr>
-          <a:lstStyle/>
-          <a:p>
-            <a:r>
-              <a:rPr lang="en-US" dirty="0"/>
-              <a:t>mapsX.jpeg</a:t>
-            </a:r>
-          </a:p>
-        </p:txBody>
-      </p:sp>
-      <p:cxnSp>
-        <p:nvCxnSpPr>
-          <p:cNvPr id="50" name="Straight Arrow Connector 49">
-            <a:extLst>
-              <a:ext uri="{FF2B5EF4-FFF2-40B4-BE49-F238E27FC236}">
-                <a16:creationId xmlns:a16="http://schemas.microsoft.com/office/drawing/2014/main" id="{C70B2DC5-A2C6-41AF-9665-FC3C61DB27FD}"/>
-              </a:ext>
-            </a:extLst>
-          </p:cNvPr>
-          <p:cNvCxnSpPr>
-            <a:cxnSpLocks/>
-            <a:stCxn id="20" idx="3"/>
-            <a:endCxn id="48" idx="1"/>
-          </p:cNvCxnSpPr>
-          <p:nvPr/>
-        </p:nvCxnSpPr>
-        <p:spPr>
-          <a:xfrm flipV="1">
-            <a:off x="6988398" y="457715"/>
-            <a:ext cx="843479" cy="20534"/>
-          </a:xfrm>
-          <a:prstGeom prst="straightConnector1">
-            <a:avLst/>
-          </a:prstGeom>
-          <a:ln>
-            <a:tailEnd type="triangle"/>
-          </a:ln>
-        </p:spPr>
-        <p:style>
-          <a:lnRef idx="1">
-            <a:schemeClr val="accent1"/>
-          </a:lnRef>
-          <a:fillRef idx="0">
-            <a:schemeClr val="accent1"/>
-          </a:fillRef>
-          <a:effectRef idx="0">
-            <a:schemeClr val="accent1"/>
-          </a:effectRef>
-          <a:fontRef idx="minor">
-            <a:schemeClr val="tx1"/>
-          </a:fontRef>
-        </p:style>
-      </p:cxnSp>
-      <p:cxnSp>
-        <p:nvCxnSpPr>
-          <p:cNvPr id="52" name="Straight Arrow Connector 51">
-            <a:extLst>
-              <a:ext uri="{FF2B5EF4-FFF2-40B4-BE49-F238E27FC236}">
-                <a16:creationId xmlns:a16="http://schemas.microsoft.com/office/drawing/2014/main" id="{71F01977-14CF-43CC-B749-CF7C2661B3B2}"/>
-              </a:ext>
-            </a:extLst>
-          </p:cNvPr>
-          <p:cNvCxnSpPr>
-            <a:cxnSpLocks/>
-            <a:stCxn id="6" idx="3"/>
-            <a:endCxn id="51" idx="1"/>
-          </p:cNvCxnSpPr>
-          <p:nvPr/>
-        </p:nvCxnSpPr>
-        <p:spPr>
-          <a:xfrm>
-            <a:off x="5325229" y="324800"/>
-            <a:ext cx="738416" cy="984970"/>
-          </a:xfrm>
-          <a:prstGeom prst="straightConnector1">
-            <a:avLst/>
-          </a:prstGeom>
-          <a:ln>
-            <a:tailEnd type="triangle"/>
-          </a:ln>
-        </p:spPr>
-        <p:style>
-          <a:lnRef idx="1">
-            <a:schemeClr val="accent1"/>
-          </a:lnRef>
-          <a:fillRef idx="0">
-            <a:schemeClr val="accent1"/>
-          </a:fillRef>
-          <a:effectRef idx="0">
-            <a:schemeClr val="accent1"/>
-          </a:effectRef>
-          <a:fontRef idx="minor">
-            <a:schemeClr val="tx1"/>
-          </a:fontRef>
-        </p:style>
-      </p:cxnSp>
-      <p:cxnSp>
-        <p:nvCxnSpPr>
-          <p:cNvPr id="55" name="Straight Arrow Connector 54">
-            <a:extLst>
-              <a:ext uri="{FF2B5EF4-FFF2-40B4-BE49-F238E27FC236}">
-                <a16:creationId xmlns:a16="http://schemas.microsoft.com/office/drawing/2014/main" id="{B9CD10DE-DFBF-4CA2-B25C-7A4981E2D7E9}"/>
-              </a:ext>
-            </a:extLst>
-          </p:cNvPr>
-          <p:cNvCxnSpPr>
-            <a:cxnSpLocks/>
-            <a:stCxn id="7" idx="3"/>
-            <a:endCxn id="51" idx="1"/>
-          </p:cNvCxnSpPr>
-          <p:nvPr/>
-        </p:nvCxnSpPr>
-        <p:spPr>
-          <a:xfrm>
-            <a:off x="5188438" y="892477"/>
-            <a:ext cx="875207" cy="417293"/>
-          </a:xfrm>
-          <a:prstGeom prst="straightConnector1">
-            <a:avLst/>
-          </a:prstGeom>
-          <a:ln>
-            <a:tailEnd type="triangle"/>
-          </a:ln>
-        </p:spPr>
-        <p:style>
-          <a:lnRef idx="1">
-            <a:schemeClr val="accent1"/>
-          </a:lnRef>
-          <a:fillRef idx="0">
-            <a:schemeClr val="accent1"/>
-          </a:fillRef>
-          <a:effectRef idx="0">
-            <a:schemeClr val="accent1"/>
-          </a:effectRef>
-          <a:fontRef idx="minor">
-            <a:schemeClr val="tx1"/>
-          </a:fontRef>
-        </p:style>
-      </p:cxnSp>
-      <p:sp>
-        <p:nvSpPr>
-          <p:cNvPr id="58" name="TextBox 57">
-            <a:extLst>
-              <a:ext uri="{FF2B5EF4-FFF2-40B4-BE49-F238E27FC236}">
-                <a16:creationId xmlns:a16="http://schemas.microsoft.com/office/drawing/2014/main" id="{E1E58F46-A918-41D2-BE4D-61B40DBCEE2A}"/>
-              </a:ext>
-            </a:extLst>
-          </p:cNvPr>
-          <p:cNvSpPr txBox="1"/>
-          <p:nvPr/>
-        </p:nvSpPr>
-        <p:spPr>
-          <a:xfrm>
-            <a:off x="7473495" y="958782"/>
-            <a:ext cx="1407618" cy="646331"/>
-          </a:xfrm>
-          <a:prstGeom prst="rect">
-            <a:avLst/>
-          </a:prstGeom>
-          <a:solidFill>
-            <a:schemeClr val="accent2">
-              <a:lumMod val="20000"/>
-              <a:lumOff val="80000"/>
-            </a:schemeClr>
-          </a:solidFill>
-          <a:ln>
-            <a:solidFill>
-              <a:srgbClr val="FF0000"/>
-            </a:solidFill>
-          </a:ln>
-        </p:spPr>
-        <p:txBody>
-          <a:bodyPr wrap="square" rtlCol="0">
-            <a:spAutoFit/>
-          </a:bodyPr>
-          <a:lstStyle/>
-          <a:p>
-            <a:r>
-              <a:rPr lang="en-US" dirty="0"/>
-              <a:t>Phi ordered.png</a:t>
-            </a:r>
-          </a:p>
-        </p:txBody>
-      </p:sp>
-      <p:cxnSp>
-        <p:nvCxnSpPr>
-          <p:cNvPr id="59" name="Straight Arrow Connector 58">
-            <a:extLst>
-              <a:ext uri="{FF2B5EF4-FFF2-40B4-BE49-F238E27FC236}">
-                <a16:creationId xmlns:a16="http://schemas.microsoft.com/office/drawing/2014/main" id="{7D6250AE-2F40-4BA9-B02F-6E9239C6CB03}"/>
-              </a:ext>
-            </a:extLst>
-          </p:cNvPr>
-          <p:cNvCxnSpPr>
-            <a:cxnSpLocks/>
-            <a:stCxn id="51" idx="3"/>
-            <a:endCxn id="58" idx="1"/>
-          </p:cNvCxnSpPr>
-          <p:nvPr/>
-        </p:nvCxnSpPr>
-        <p:spPr>
-          <a:xfrm flipV="1">
-            <a:off x="7186425" y="1281948"/>
-            <a:ext cx="287070" cy="27822"/>
-          </a:xfrm>
-          <a:prstGeom prst="straightConnector1">
-            <a:avLst/>
-          </a:prstGeom>
-          <a:ln>
-            <a:tailEnd type="triangle"/>
-          </a:ln>
-        </p:spPr>
-        <p:style>
-          <a:lnRef idx="1">
-            <a:schemeClr val="accent1"/>
-          </a:lnRef>
-          <a:fillRef idx="0">
-            <a:schemeClr val="accent1"/>
-          </a:fillRef>
-          <a:effectRef idx="0">
-            <a:schemeClr val="accent1"/>
-          </a:effectRef>
-          <a:fontRef idx="minor">
-            <a:schemeClr val="tx1"/>
-          </a:fontRef>
-        </p:style>
-      </p:cxnSp>
-      <p:cxnSp>
-        <p:nvCxnSpPr>
-          <p:cNvPr id="63" name="Straight Arrow Connector 62">
-            <a:extLst>
-              <a:ext uri="{FF2B5EF4-FFF2-40B4-BE49-F238E27FC236}">
-                <a16:creationId xmlns:a16="http://schemas.microsoft.com/office/drawing/2014/main" id="{54DD8A4F-5DCD-4EAB-99A1-E187E6BFF98A}"/>
-              </a:ext>
-            </a:extLst>
-          </p:cNvPr>
-          <p:cNvCxnSpPr>
-            <a:cxnSpLocks/>
-            <a:stCxn id="6" idx="3"/>
-            <a:endCxn id="62" idx="1"/>
-          </p:cNvCxnSpPr>
-          <p:nvPr/>
-        </p:nvCxnSpPr>
-        <p:spPr>
-          <a:xfrm>
-            <a:off x="5325229" y="324800"/>
-            <a:ext cx="707810" cy="1862220"/>
-          </a:xfrm>
-          <a:prstGeom prst="straightConnector1">
-            <a:avLst/>
-          </a:prstGeom>
-          <a:ln>
-            <a:tailEnd type="triangle"/>
-          </a:ln>
-        </p:spPr>
-        <p:style>
-          <a:lnRef idx="1">
-            <a:schemeClr val="accent1"/>
-          </a:lnRef>
-          <a:fillRef idx="0">
-            <a:schemeClr val="accent1"/>
-          </a:fillRef>
-          <a:effectRef idx="0">
-            <a:schemeClr val="accent1"/>
-          </a:effectRef>
-          <a:fontRef idx="minor">
-            <a:schemeClr val="tx1"/>
-          </a:fontRef>
-        </p:style>
-      </p:cxnSp>
-      <p:sp>
-        <p:nvSpPr>
-          <p:cNvPr id="66" name="TextBox 65">
-            <a:extLst>
-              <a:ext uri="{FF2B5EF4-FFF2-40B4-BE49-F238E27FC236}">
-                <a16:creationId xmlns:a16="http://schemas.microsoft.com/office/drawing/2014/main" id="{0129AB9D-62AD-4574-8C2E-0DB173E027A7}"/>
-              </a:ext>
-            </a:extLst>
-          </p:cNvPr>
-          <p:cNvSpPr txBox="1"/>
-          <p:nvPr/>
-        </p:nvSpPr>
-        <p:spPr>
-          <a:xfrm>
-            <a:off x="7423448" y="1836032"/>
-            <a:ext cx="1407618" cy="646331"/>
-          </a:xfrm>
-          <a:prstGeom prst="rect">
-            <a:avLst/>
-          </a:prstGeom>
-          <a:solidFill>
-            <a:schemeClr val="accent2">
-              <a:lumMod val="20000"/>
-              <a:lumOff val="80000"/>
-            </a:schemeClr>
-          </a:solidFill>
-          <a:ln>
-            <a:solidFill>
-              <a:srgbClr val="FF0000"/>
-            </a:solidFill>
-          </a:ln>
-        </p:spPr>
-        <p:txBody>
-          <a:bodyPr wrap="square" rtlCol="0">
-            <a:spAutoFit/>
-          </a:bodyPr>
-          <a:lstStyle/>
-          <a:p>
-            <a:r>
-              <a:rPr lang="en-US" dirty="0" err="1"/>
-              <a:t>Thetam</a:t>
-            </a:r>
-            <a:r>
-              <a:rPr lang="en-US" dirty="0"/>
-              <a:t> boxplot.png</a:t>
-            </a:r>
-          </a:p>
-        </p:txBody>
-      </p:sp>
-      <p:cxnSp>
-        <p:nvCxnSpPr>
-          <p:cNvPr id="67" name="Straight Arrow Connector 66">
-            <a:extLst>
-              <a:ext uri="{FF2B5EF4-FFF2-40B4-BE49-F238E27FC236}">
-                <a16:creationId xmlns:a16="http://schemas.microsoft.com/office/drawing/2014/main" id="{8D81BD7D-B379-4E7E-98CE-F835EE51AE4B}"/>
-              </a:ext>
-            </a:extLst>
-          </p:cNvPr>
-          <p:cNvCxnSpPr>
-            <a:cxnSpLocks/>
-            <a:stCxn id="62" idx="3"/>
-            <a:endCxn id="66" idx="1"/>
-          </p:cNvCxnSpPr>
-          <p:nvPr/>
-        </p:nvCxnSpPr>
-        <p:spPr>
-          <a:xfrm flipV="1">
-            <a:off x="7155819" y="2159198"/>
-            <a:ext cx="267629" cy="27822"/>
-          </a:xfrm>
-          <a:prstGeom prst="straightConnector1">
-            <a:avLst/>
-          </a:prstGeom>
-          <a:ln>
-            <a:tailEnd type="triangle"/>
-          </a:ln>
-        </p:spPr>
-        <p:style>
-          <a:lnRef idx="1">
-            <a:schemeClr val="accent1"/>
-          </a:lnRef>
-          <a:fillRef idx="0">
-            <a:schemeClr val="accent1"/>
-          </a:fillRef>
-          <a:effectRef idx="0">
-            <a:schemeClr val="accent1"/>
-          </a:effectRef>
-          <a:fontRef idx="minor">
-            <a:schemeClr val="tx1"/>
-          </a:fontRef>
-        </p:style>
-      </p:cxnSp>
-      <p:cxnSp>
-        <p:nvCxnSpPr>
-          <p:cNvPr id="71" name="Straight Arrow Connector 70">
-            <a:extLst>
-              <a:ext uri="{FF2B5EF4-FFF2-40B4-BE49-F238E27FC236}">
-                <a16:creationId xmlns:a16="http://schemas.microsoft.com/office/drawing/2014/main" id="{685D1110-036B-4C94-A6EF-978C42D8D28C}"/>
-              </a:ext>
-            </a:extLst>
-          </p:cNvPr>
-          <p:cNvCxnSpPr>
-            <a:cxnSpLocks/>
-            <a:stCxn id="6" idx="3"/>
-            <a:endCxn id="70" idx="1"/>
-          </p:cNvCxnSpPr>
-          <p:nvPr/>
-        </p:nvCxnSpPr>
-        <p:spPr>
-          <a:xfrm>
-            <a:off x="5325229" y="324800"/>
-            <a:ext cx="381950" cy="2898038"/>
-          </a:xfrm>
-          <a:prstGeom prst="straightConnector1">
-            <a:avLst/>
-          </a:prstGeom>
-          <a:ln>
-            <a:tailEnd type="triangle"/>
-          </a:ln>
-        </p:spPr>
-        <p:style>
-          <a:lnRef idx="1">
-            <a:schemeClr val="accent1"/>
-          </a:lnRef>
-          <a:fillRef idx="0">
-            <a:schemeClr val="accent1"/>
-          </a:fillRef>
-          <a:effectRef idx="0">
-            <a:schemeClr val="accent1"/>
-          </a:effectRef>
-          <a:fontRef idx="minor">
-            <a:schemeClr val="tx1"/>
-          </a:fontRef>
-        </p:style>
-      </p:cxnSp>
-      <p:cxnSp>
-        <p:nvCxnSpPr>
-          <p:cNvPr id="75" name="Straight Arrow Connector 74">
-            <a:extLst>
-              <a:ext uri="{FF2B5EF4-FFF2-40B4-BE49-F238E27FC236}">
-                <a16:creationId xmlns:a16="http://schemas.microsoft.com/office/drawing/2014/main" id="{8F62ADEF-E474-4187-9F10-A7C7D13FCE25}"/>
-              </a:ext>
-            </a:extLst>
-          </p:cNvPr>
-          <p:cNvCxnSpPr>
-            <a:cxnSpLocks/>
-            <a:stCxn id="31" idx="3"/>
-            <a:endCxn id="70" idx="1"/>
-          </p:cNvCxnSpPr>
-          <p:nvPr/>
-        </p:nvCxnSpPr>
-        <p:spPr>
-          <a:xfrm>
-            <a:off x="925569" y="932998"/>
-            <a:ext cx="4781610" cy="2289840"/>
-          </a:xfrm>
-          <a:prstGeom prst="straightConnector1">
-            <a:avLst/>
-          </a:prstGeom>
-          <a:ln>
-            <a:tailEnd type="triangle"/>
-          </a:ln>
-        </p:spPr>
-        <p:style>
-          <a:lnRef idx="1">
-            <a:schemeClr val="accent1"/>
-          </a:lnRef>
-          <a:fillRef idx="0">
-            <a:schemeClr val="accent1"/>
-          </a:fillRef>
-          <a:effectRef idx="0">
-            <a:schemeClr val="accent1"/>
-          </a:effectRef>
-          <a:fontRef idx="minor">
-            <a:schemeClr val="tx1"/>
-          </a:fontRef>
-        </p:style>
-      </p:cxnSp>
-      <p:cxnSp>
-        <p:nvCxnSpPr>
-          <p:cNvPr id="77" name="Straight Arrow Connector 76">
-            <a:extLst>
-              <a:ext uri="{FF2B5EF4-FFF2-40B4-BE49-F238E27FC236}">
-                <a16:creationId xmlns:a16="http://schemas.microsoft.com/office/drawing/2014/main" id="{E48E87BF-5220-4051-B3F9-D7AF051CA391}"/>
-              </a:ext>
-            </a:extLst>
-          </p:cNvPr>
-          <p:cNvCxnSpPr>
-            <a:cxnSpLocks/>
-            <a:stCxn id="76" idx="3"/>
-            <a:endCxn id="70" idx="1"/>
-          </p:cNvCxnSpPr>
-          <p:nvPr/>
-        </p:nvCxnSpPr>
-        <p:spPr>
-          <a:xfrm flipV="1">
-            <a:off x="5053138" y="3222838"/>
-            <a:ext cx="654041" cy="630026"/>
-          </a:xfrm>
-          <a:prstGeom prst="straightConnector1">
-            <a:avLst/>
-          </a:prstGeom>
-          <a:ln>
-            <a:tailEnd type="triangle"/>
-          </a:ln>
-        </p:spPr>
-        <p:style>
-          <a:lnRef idx="1">
-            <a:schemeClr val="accent1"/>
-          </a:lnRef>
-          <a:fillRef idx="0">
-            <a:schemeClr val="accent1"/>
-          </a:fillRef>
-          <a:effectRef idx="0">
-            <a:schemeClr val="accent1"/>
-          </a:effectRef>
-          <a:fontRef idx="minor">
-            <a:schemeClr val="tx1"/>
-          </a:fontRef>
-        </p:style>
-      </p:cxnSp>
-      <p:cxnSp>
-        <p:nvCxnSpPr>
-          <p:cNvPr id="81" name="Straight Arrow Connector 80">
-            <a:extLst>
-              <a:ext uri="{FF2B5EF4-FFF2-40B4-BE49-F238E27FC236}">
-                <a16:creationId xmlns:a16="http://schemas.microsoft.com/office/drawing/2014/main" id="{519396FD-A193-40AA-B45E-D4DC2AD26335}"/>
-              </a:ext>
-            </a:extLst>
-          </p:cNvPr>
-          <p:cNvCxnSpPr>
-            <a:cxnSpLocks/>
-            <a:stCxn id="70" idx="3"/>
-            <a:endCxn id="80" idx="1"/>
-          </p:cNvCxnSpPr>
-          <p:nvPr/>
-        </p:nvCxnSpPr>
-        <p:spPr>
-          <a:xfrm flipV="1">
-            <a:off x="6829959" y="3146284"/>
-            <a:ext cx="234212" cy="76554"/>
-          </a:xfrm>
-          <a:prstGeom prst="straightConnector1">
-            <a:avLst/>
-          </a:prstGeom>
-          <a:ln>
-            <a:tailEnd type="triangle"/>
-          </a:ln>
-        </p:spPr>
-        <p:style>
-          <a:lnRef idx="1">
-            <a:schemeClr val="accent1"/>
-          </a:lnRef>
-          <a:fillRef idx="0">
-            <a:schemeClr val="accent1"/>
-          </a:fillRef>
-          <a:effectRef idx="0">
-            <a:schemeClr val="accent1"/>
-          </a:effectRef>
-          <a:fontRef idx="minor">
-            <a:schemeClr val="tx1"/>
-          </a:fontRef>
-        </p:style>
-      </p:cxnSp>
-      <p:sp>
-        <p:nvSpPr>
-          <p:cNvPr id="106" name="TextBox 105">
-            <a:extLst>
-              <a:ext uri="{FF2B5EF4-FFF2-40B4-BE49-F238E27FC236}">
-                <a16:creationId xmlns:a16="http://schemas.microsoft.com/office/drawing/2014/main" id="{8BC4C6A5-897A-4024-A3E8-7EEC49981D71}"/>
-              </a:ext>
-            </a:extLst>
-          </p:cNvPr>
-          <p:cNvSpPr txBox="1"/>
-          <p:nvPr/>
-        </p:nvSpPr>
-        <p:spPr>
-          <a:xfrm>
-            <a:off x="8813091" y="2875306"/>
-            <a:ext cx="1122780" cy="646331"/>
-          </a:xfrm>
-          <a:prstGeom prst="rect">
-            <a:avLst/>
-          </a:prstGeom>
-          <a:solidFill>
-            <a:schemeClr val="bg2"/>
-          </a:solidFill>
-          <a:ln>
-            <a:solidFill>
-              <a:schemeClr val="tx1"/>
-            </a:solidFill>
-          </a:ln>
-        </p:spPr>
-        <p:txBody>
-          <a:bodyPr wrap="square" rtlCol="0">
-            <a:spAutoFit/>
-          </a:bodyPr>
-          <a:lstStyle/>
-          <a:p>
-            <a:r>
-              <a:rPr lang="en-US" dirty="0"/>
-              <a:t>Theta </a:t>
-            </a:r>
-            <a:r>
-              <a:rPr lang="en-US" dirty="0" err="1"/>
-              <a:t>distrib.R</a:t>
-            </a:r>
-            <a:endParaRPr lang="en-US" dirty="0"/>
-          </a:p>
-        </p:txBody>
-      </p:sp>
-      <p:cxnSp>
-        <p:nvCxnSpPr>
-          <p:cNvPr id="108" name="Straight Arrow Connector 107">
-            <a:extLst>
-              <a:ext uri="{FF2B5EF4-FFF2-40B4-BE49-F238E27FC236}">
-                <a16:creationId xmlns:a16="http://schemas.microsoft.com/office/drawing/2014/main" id="{40909E60-C791-4A83-BAE5-7FE5D05136A7}"/>
-              </a:ext>
-            </a:extLst>
-          </p:cNvPr>
-          <p:cNvCxnSpPr>
-            <a:stCxn id="80" idx="3"/>
-            <a:endCxn id="106" idx="1"/>
-          </p:cNvCxnSpPr>
-          <p:nvPr/>
-        </p:nvCxnSpPr>
-        <p:spPr>
-          <a:xfrm>
-            <a:off x="8454431" y="3146284"/>
-            <a:ext cx="358660" cy="52188"/>
-          </a:xfrm>
-          <a:prstGeom prst="straightConnector1">
-            <a:avLst/>
-          </a:prstGeom>
-          <a:ln>
-            <a:tailEnd type="triangle"/>
-          </a:ln>
-        </p:spPr>
-        <p:style>
-          <a:lnRef idx="1">
-            <a:schemeClr val="accent1"/>
-          </a:lnRef>
-          <a:fillRef idx="0">
-            <a:schemeClr val="accent1"/>
-          </a:fillRef>
-          <a:effectRef idx="0">
-            <a:schemeClr val="accent1"/>
-          </a:effectRef>
-          <a:fontRef idx="minor">
-            <a:schemeClr val="tx1"/>
-          </a:fontRef>
-        </p:style>
-      </p:cxnSp>
-      <p:sp>
-        <p:nvSpPr>
-          <p:cNvPr id="109" name="TextBox 108">
-            <a:extLst>
-              <a:ext uri="{FF2B5EF4-FFF2-40B4-BE49-F238E27FC236}">
-                <a16:creationId xmlns:a16="http://schemas.microsoft.com/office/drawing/2014/main" id="{6BE13442-AB0A-4FD6-8CD0-A89B45DAAE38}"/>
-              </a:ext>
-            </a:extLst>
-          </p:cNvPr>
-          <p:cNvSpPr txBox="1"/>
-          <p:nvPr/>
-        </p:nvSpPr>
-        <p:spPr>
-          <a:xfrm>
-            <a:off x="10394150" y="2807772"/>
-            <a:ext cx="1407618" cy="646331"/>
-          </a:xfrm>
-          <a:prstGeom prst="rect">
-            <a:avLst/>
-          </a:prstGeom>
-          <a:solidFill>
-            <a:schemeClr val="accent2">
-              <a:lumMod val="20000"/>
-              <a:lumOff val="80000"/>
-            </a:schemeClr>
-          </a:solidFill>
-          <a:ln>
-            <a:solidFill>
-              <a:srgbClr val="FF0000"/>
-            </a:solidFill>
-          </a:ln>
-        </p:spPr>
-        <p:txBody>
-          <a:bodyPr wrap="square" rtlCol="0">
-            <a:spAutoFit/>
-          </a:bodyPr>
-          <a:lstStyle/>
-          <a:p>
-            <a:r>
-              <a:rPr lang="en-US" dirty="0"/>
-              <a:t>Theta </a:t>
-            </a:r>
-            <a:r>
-              <a:rPr lang="en-US" dirty="0" err="1"/>
-              <a:t>distrib</a:t>
-            </a:r>
-            <a:r>
-              <a:rPr lang="en-US" dirty="0"/>
-              <a:t> X.png</a:t>
-            </a:r>
-          </a:p>
-        </p:txBody>
-      </p:sp>
-      <p:cxnSp>
-        <p:nvCxnSpPr>
-          <p:cNvPr id="110" name="Straight Arrow Connector 109">
-            <a:extLst>
-              <a:ext uri="{FF2B5EF4-FFF2-40B4-BE49-F238E27FC236}">
-                <a16:creationId xmlns:a16="http://schemas.microsoft.com/office/drawing/2014/main" id="{A9C3461B-1B88-4349-A6BB-C51C98181CEB}"/>
-              </a:ext>
-            </a:extLst>
-          </p:cNvPr>
-          <p:cNvCxnSpPr>
-            <a:cxnSpLocks/>
-            <a:stCxn id="106" idx="3"/>
-            <a:endCxn id="109" idx="1"/>
-          </p:cNvCxnSpPr>
-          <p:nvPr/>
-        </p:nvCxnSpPr>
-        <p:spPr>
-          <a:xfrm flipV="1">
-            <a:off x="9935871" y="3130938"/>
-            <a:ext cx="458279" cy="67534"/>
-          </a:xfrm>
-          <a:prstGeom prst="straightConnector1">
-            <a:avLst/>
-          </a:prstGeom>
-          <a:ln>
-            <a:tailEnd type="triangle"/>
-          </a:ln>
-        </p:spPr>
-        <p:style>
-          <a:lnRef idx="1">
-            <a:schemeClr val="accent1"/>
-          </a:lnRef>
-          <a:fillRef idx="0">
-            <a:schemeClr val="accent1"/>
-          </a:fillRef>
-          <a:effectRef idx="0">
-            <a:schemeClr val="accent1"/>
-          </a:effectRef>
-          <a:fontRef idx="minor">
-            <a:schemeClr val="tx1"/>
-          </a:fontRef>
-        </p:style>
-      </p:cxnSp>
-      <p:cxnSp>
-        <p:nvCxnSpPr>
-          <p:cNvPr id="116" name="Straight Arrow Connector 115">
-            <a:extLst>
-              <a:ext uri="{FF2B5EF4-FFF2-40B4-BE49-F238E27FC236}">
-                <a16:creationId xmlns:a16="http://schemas.microsoft.com/office/drawing/2014/main" id="{8E4087AF-FC09-4863-99F3-0B088A936FC8}"/>
-              </a:ext>
-            </a:extLst>
-          </p:cNvPr>
-          <p:cNvCxnSpPr>
-            <a:cxnSpLocks/>
-            <a:stCxn id="113" idx="3"/>
-            <a:endCxn id="114" idx="1"/>
-          </p:cNvCxnSpPr>
-          <p:nvPr/>
-        </p:nvCxnSpPr>
-        <p:spPr>
-          <a:xfrm>
-            <a:off x="5077396" y="-228587"/>
-            <a:ext cx="394253" cy="19283"/>
-          </a:xfrm>
-          <a:prstGeom prst="straightConnector1">
-            <a:avLst/>
-          </a:prstGeom>
-          <a:ln>
-            <a:tailEnd type="triangle"/>
-          </a:ln>
-        </p:spPr>
-        <p:style>
-          <a:lnRef idx="1">
-            <a:schemeClr val="accent1"/>
-          </a:lnRef>
-          <a:fillRef idx="0">
-            <a:schemeClr val="accent1"/>
-          </a:fillRef>
-          <a:effectRef idx="0">
-            <a:schemeClr val="accent1"/>
-          </a:effectRef>
-          <a:fontRef idx="minor">
-            <a:schemeClr val="tx1"/>
-          </a:fontRef>
-        </p:style>
-      </p:cxnSp>
-      <p:cxnSp>
-        <p:nvCxnSpPr>
-          <p:cNvPr id="119" name="Straight Arrow Connector 118">
-            <a:extLst>
-              <a:ext uri="{FF2B5EF4-FFF2-40B4-BE49-F238E27FC236}">
-                <a16:creationId xmlns:a16="http://schemas.microsoft.com/office/drawing/2014/main" id="{DACD037C-702B-4825-A505-3274793B9439}"/>
-              </a:ext>
-            </a:extLst>
-          </p:cNvPr>
-          <p:cNvCxnSpPr>
-            <a:cxnSpLocks/>
-            <a:stCxn id="114" idx="3"/>
-            <a:endCxn id="115" idx="1"/>
-          </p:cNvCxnSpPr>
-          <p:nvPr/>
-        </p:nvCxnSpPr>
-        <p:spPr>
-          <a:xfrm flipV="1">
-            <a:off x="6594429" y="-237127"/>
-            <a:ext cx="318515" cy="27823"/>
-          </a:xfrm>
-          <a:prstGeom prst="straightConnector1">
-            <a:avLst/>
-          </a:prstGeom>
-          <a:ln>
-            <a:tailEnd type="triangle"/>
-          </a:ln>
-        </p:spPr>
-        <p:style>
-          <a:lnRef idx="1">
-            <a:schemeClr val="accent1"/>
-          </a:lnRef>
-          <a:fillRef idx="0">
-            <a:schemeClr val="accent1"/>
-          </a:fillRef>
-          <a:effectRef idx="0">
-            <a:schemeClr val="accent1"/>
-          </a:effectRef>
-          <a:fontRef idx="minor">
-            <a:schemeClr val="tx1"/>
-          </a:fontRef>
-        </p:style>
-      </p:cxnSp>
-      <p:cxnSp>
-        <p:nvCxnSpPr>
           <p:cNvPr id="139" name="Straight Arrow Connector 138">
             <a:extLst>
               <a:ext uri="{FF2B5EF4-FFF2-40B4-BE49-F238E27FC236}">
@@ -4699,7 +3601,7 @@
         </p:nvCxnSpPr>
         <p:spPr>
           <a:xfrm>
-            <a:off x="1486870" y="5377608"/>
+            <a:off x="5647390" y="3626445"/>
             <a:ext cx="338421" cy="254999"/>
           </a:xfrm>
           <a:prstGeom prst="straightConnector1">
@@ -4742,7 +3644,7 @@
         </p:nvCxnSpPr>
         <p:spPr>
           <a:xfrm flipV="1">
-            <a:off x="1486870" y="5632607"/>
+            <a:off x="5647390" y="3881444"/>
             <a:ext cx="338421" cy="272157"/>
           </a:xfrm>
           <a:prstGeom prst="straightConnector1">
@@ -4778,15 +3680,15 @@
           </p:cNvPr>
           <p:cNvCxnSpPr>
             <a:cxnSpLocks/>
-            <a:stCxn id="7" idx="1"/>
+            <a:stCxn id="7" idx="3"/>
             <a:endCxn id="138" idx="0"/>
           </p:cNvCxnSpPr>
           <p:nvPr/>
         </p:nvCxnSpPr>
         <p:spPr>
-          <a:xfrm flipH="1">
-            <a:off x="2799592" y="892477"/>
-            <a:ext cx="765637" cy="4416964"/>
+          <a:xfrm>
+            <a:off x="6057118" y="1961259"/>
+            <a:ext cx="902994" cy="1597019"/>
           </a:xfrm>
           <a:prstGeom prst="straightConnector1">
             <a:avLst/>
@@ -4824,7 +3726,7 @@
         </p:nvSpPr>
         <p:spPr>
           <a:xfrm>
-            <a:off x="3976082" y="5229279"/>
+            <a:off x="8136602" y="3478116"/>
             <a:ext cx="1813932" cy="369332"/>
           </a:xfrm>
           <a:prstGeom prst="rect">
@@ -4868,7 +3770,7 @@
         </p:nvCxnSpPr>
         <p:spPr>
           <a:xfrm flipV="1">
-            <a:off x="3773893" y="5413945"/>
+            <a:off x="7934413" y="3662782"/>
             <a:ext cx="202189" cy="218662"/>
           </a:xfrm>
           <a:prstGeom prst="straightConnector1">
@@ -4911,7 +3813,7 @@
         </p:nvCxnSpPr>
         <p:spPr>
           <a:xfrm>
-            <a:off x="3773893" y="5632607"/>
+            <a:off x="7934413" y="3881444"/>
             <a:ext cx="221127" cy="272157"/>
           </a:xfrm>
           <a:prstGeom prst="straightConnector1">
@@ -4938,10 +3840,10 @@
       </p:cxnSp>
       <p:sp>
         <p:nvSpPr>
-          <p:cNvPr id="197" name="TextBox 196">
-            <a:extLst>
-              <a:ext uri="{FF2B5EF4-FFF2-40B4-BE49-F238E27FC236}">
-                <a16:creationId xmlns:a16="http://schemas.microsoft.com/office/drawing/2014/main" id="{F9D68023-C660-4695-AF5E-9C7B6F11A0A0}"/>
+          <p:cNvPr id="4" name="TextBox 3">
+            <a:extLst>
+              <a:ext uri="{FF2B5EF4-FFF2-40B4-BE49-F238E27FC236}">
+                <a16:creationId xmlns:a16="http://schemas.microsoft.com/office/drawing/2014/main" id="{DFF97A9B-4860-4AA2-9714-5356B7FCCA2B}"/>
               </a:ext>
             </a:extLst>
           </p:cNvPr>
@@ -4950,898 +3852,7 @@
         </p:nvSpPr>
         <p:spPr>
           <a:xfrm>
-            <a:off x="6782605" y="4414001"/>
-            <a:ext cx="1281686" cy="369332"/>
-          </a:xfrm>
-          <a:prstGeom prst="rect">
-            <a:avLst/>
-          </a:prstGeom>
-          <a:solidFill>
-            <a:schemeClr val="bg2"/>
-          </a:solidFill>
-          <a:ln>
-            <a:solidFill>
-              <a:schemeClr val="tx1"/>
-            </a:solidFill>
-          </a:ln>
-        </p:spPr>
-        <p:txBody>
-          <a:bodyPr wrap="square" rtlCol="0">
-            <a:spAutoFit/>
-          </a:bodyPr>
-          <a:lstStyle/>
-          <a:p>
-            <a:r>
-              <a:rPr lang="en-US" dirty="0"/>
-              <a:t>Maps </a:t>
-            </a:r>
-            <a:r>
-              <a:rPr lang="en-US" dirty="0" err="1"/>
-              <a:t>diff.R</a:t>
-            </a:r>
-            <a:endParaRPr lang="en-US" dirty="0"/>
-          </a:p>
-        </p:txBody>
-      </p:sp>
-      <p:cxnSp>
-        <p:nvCxnSpPr>
-          <p:cNvPr id="199" name="Straight Arrow Connector 198">
-            <a:extLst>
-              <a:ext uri="{FF2B5EF4-FFF2-40B4-BE49-F238E27FC236}">
-                <a16:creationId xmlns:a16="http://schemas.microsoft.com/office/drawing/2014/main" id="{8FE53BB5-6811-4824-B117-40C8884FBC2D}"/>
-              </a:ext>
-            </a:extLst>
-          </p:cNvPr>
-          <p:cNvCxnSpPr>
-            <a:stCxn id="21" idx="3"/>
-            <a:endCxn id="197" idx="1"/>
-          </p:cNvCxnSpPr>
-          <p:nvPr/>
-        </p:nvCxnSpPr>
-        <p:spPr>
-          <a:xfrm>
-            <a:off x="5065776" y="2166331"/>
-            <a:ext cx="1716829" cy="2432336"/>
-          </a:xfrm>
-          <a:prstGeom prst="straightConnector1">
-            <a:avLst/>
-          </a:prstGeom>
-          <a:ln>
-            <a:tailEnd type="triangle"/>
-          </a:ln>
-        </p:spPr>
-        <p:style>
-          <a:lnRef idx="1">
-            <a:schemeClr val="accent1"/>
-          </a:lnRef>
-          <a:fillRef idx="0">
-            <a:schemeClr val="accent1"/>
-          </a:fillRef>
-          <a:effectRef idx="0">
-            <a:schemeClr val="accent1"/>
-          </a:effectRef>
-          <a:fontRef idx="minor">
-            <a:schemeClr val="tx1"/>
-          </a:fontRef>
-        </p:style>
-      </p:cxnSp>
-      <p:cxnSp>
-        <p:nvCxnSpPr>
-          <p:cNvPr id="200" name="Straight Arrow Connector 199">
-            <a:extLst>
-              <a:ext uri="{FF2B5EF4-FFF2-40B4-BE49-F238E27FC236}">
-                <a16:creationId xmlns:a16="http://schemas.microsoft.com/office/drawing/2014/main" id="{D3BECCE0-19EE-41B8-A6E0-43EE14FECB28}"/>
-              </a:ext>
-            </a:extLst>
-          </p:cNvPr>
-          <p:cNvCxnSpPr>
-            <a:cxnSpLocks/>
-            <a:stCxn id="22" idx="3"/>
-            <a:endCxn id="197" idx="1"/>
-          </p:cNvCxnSpPr>
-          <p:nvPr/>
-        </p:nvCxnSpPr>
-        <p:spPr>
-          <a:xfrm>
-            <a:off x="5065776" y="2978519"/>
-            <a:ext cx="1716829" cy="1620148"/>
-          </a:xfrm>
-          <a:prstGeom prst="straightConnector1">
-            <a:avLst/>
-          </a:prstGeom>
-          <a:ln>
-            <a:tailEnd type="triangle"/>
-          </a:ln>
-        </p:spPr>
-        <p:style>
-          <a:lnRef idx="1">
-            <a:schemeClr val="accent1"/>
-          </a:lnRef>
-          <a:fillRef idx="0">
-            <a:schemeClr val="accent1"/>
-          </a:fillRef>
-          <a:effectRef idx="0">
-            <a:schemeClr val="accent1"/>
-          </a:effectRef>
-          <a:fontRef idx="minor">
-            <a:schemeClr val="tx1"/>
-          </a:fontRef>
-        </p:style>
-      </p:cxnSp>
-      <p:cxnSp>
-        <p:nvCxnSpPr>
-          <p:cNvPr id="203" name="Straight Arrow Connector 202">
-            <a:extLst>
-              <a:ext uri="{FF2B5EF4-FFF2-40B4-BE49-F238E27FC236}">
-                <a16:creationId xmlns:a16="http://schemas.microsoft.com/office/drawing/2014/main" id="{304548BB-ED37-43A2-BA9A-19B732CE85E0}"/>
-              </a:ext>
-            </a:extLst>
-          </p:cNvPr>
-          <p:cNvCxnSpPr>
-            <a:cxnSpLocks/>
-            <a:stCxn id="6" idx="3"/>
-            <a:endCxn id="197" idx="1"/>
-          </p:cNvCxnSpPr>
-          <p:nvPr/>
-        </p:nvCxnSpPr>
-        <p:spPr>
-          <a:xfrm>
-            <a:off x="5325229" y="324800"/>
-            <a:ext cx="1457376" cy="4273867"/>
-          </a:xfrm>
-          <a:prstGeom prst="straightConnector1">
-            <a:avLst/>
-          </a:prstGeom>
-          <a:ln>
-            <a:tailEnd type="triangle"/>
-          </a:ln>
-        </p:spPr>
-        <p:style>
-          <a:lnRef idx="1">
-            <a:schemeClr val="accent1"/>
-          </a:lnRef>
-          <a:fillRef idx="0">
-            <a:schemeClr val="accent1"/>
-          </a:fillRef>
-          <a:effectRef idx="0">
-            <a:schemeClr val="accent1"/>
-          </a:effectRef>
-          <a:fontRef idx="minor">
-            <a:schemeClr val="tx1"/>
-          </a:fontRef>
-        </p:style>
-      </p:cxnSp>
-      <p:cxnSp>
-        <p:nvCxnSpPr>
-          <p:cNvPr id="206" name="Straight Arrow Connector 205">
-            <a:extLst>
-              <a:ext uri="{FF2B5EF4-FFF2-40B4-BE49-F238E27FC236}">
-                <a16:creationId xmlns:a16="http://schemas.microsoft.com/office/drawing/2014/main" id="{CFAF7723-3F0C-478A-A394-E3B24F024392}"/>
-              </a:ext>
-            </a:extLst>
-          </p:cNvPr>
-          <p:cNvCxnSpPr>
-            <a:cxnSpLocks/>
-            <a:stCxn id="31" idx="3"/>
-            <a:endCxn id="197" idx="1"/>
-          </p:cNvCxnSpPr>
-          <p:nvPr/>
-        </p:nvCxnSpPr>
-        <p:spPr>
-          <a:xfrm>
-            <a:off x="925569" y="932998"/>
-            <a:ext cx="5857036" cy="3665669"/>
-          </a:xfrm>
-          <a:prstGeom prst="straightConnector1">
-            <a:avLst/>
-          </a:prstGeom>
-          <a:ln>
-            <a:tailEnd type="triangle"/>
-          </a:ln>
-        </p:spPr>
-        <p:style>
-          <a:lnRef idx="1">
-            <a:schemeClr val="accent1"/>
-          </a:lnRef>
-          <a:fillRef idx="0">
-            <a:schemeClr val="accent1"/>
-          </a:fillRef>
-          <a:effectRef idx="0">
-            <a:schemeClr val="accent1"/>
-          </a:effectRef>
-          <a:fontRef idx="minor">
-            <a:schemeClr val="tx1"/>
-          </a:fontRef>
-        </p:style>
-      </p:cxnSp>
-      <p:sp>
-        <p:nvSpPr>
-          <p:cNvPr id="209" name="TextBox 208">
-            <a:extLst>
-              <a:ext uri="{FF2B5EF4-FFF2-40B4-BE49-F238E27FC236}">
-                <a16:creationId xmlns:a16="http://schemas.microsoft.com/office/drawing/2014/main" id="{F5A00A5C-242F-4527-9922-05940CC7E063}"/>
-              </a:ext>
-            </a:extLst>
-          </p:cNvPr>
-          <p:cNvSpPr txBox="1"/>
-          <p:nvPr/>
-        </p:nvSpPr>
-        <p:spPr>
-          <a:xfrm>
-            <a:off x="8622029" y="5806364"/>
-            <a:ext cx="2594202" cy="369332"/>
-          </a:xfrm>
-          <a:prstGeom prst="rect">
-            <a:avLst/>
-          </a:prstGeom>
-          <a:noFill/>
-          <a:ln>
-            <a:solidFill>
-              <a:srgbClr val="FFC000"/>
-            </a:solidFill>
-          </a:ln>
-        </p:spPr>
-        <p:txBody>
-          <a:bodyPr wrap="square" rtlCol="0">
-            <a:spAutoFit/>
-          </a:bodyPr>
-          <a:lstStyle/>
-          <a:p>
-            <a:r>
-              <a:rPr lang="en-US" dirty="0"/>
-              <a:t>2018\theta_m_interp.csv</a:t>
-            </a:r>
-          </a:p>
-        </p:txBody>
-      </p:sp>
-      <p:sp>
-        <p:nvSpPr>
-          <p:cNvPr id="210" name="TextBox 209">
-            <a:extLst>
-              <a:ext uri="{FF2B5EF4-FFF2-40B4-BE49-F238E27FC236}">
-                <a16:creationId xmlns:a16="http://schemas.microsoft.com/office/drawing/2014/main" id="{6C223B5D-1DD5-41CB-A4D8-BC48FF78514D}"/>
-              </a:ext>
-            </a:extLst>
-          </p:cNvPr>
-          <p:cNvSpPr txBox="1"/>
-          <p:nvPr/>
-        </p:nvSpPr>
-        <p:spPr>
-          <a:xfrm>
-            <a:off x="8533756" y="4373102"/>
-            <a:ext cx="1624267" cy="369332"/>
-          </a:xfrm>
-          <a:prstGeom prst="rect">
-            <a:avLst/>
-          </a:prstGeom>
-          <a:solidFill>
-            <a:schemeClr val="accent2">
-              <a:lumMod val="20000"/>
-              <a:lumOff val="80000"/>
-            </a:schemeClr>
-          </a:solidFill>
-          <a:ln>
-            <a:solidFill>
-              <a:srgbClr val="FF0000"/>
-            </a:solidFill>
-          </a:ln>
-        </p:spPr>
-        <p:txBody>
-          <a:bodyPr wrap="square" rtlCol="0">
-            <a:spAutoFit/>
-          </a:bodyPr>
-          <a:lstStyle/>
-          <a:p>
-            <a:r>
-              <a:rPr lang="en-US" dirty="0"/>
-              <a:t>Maps diffX.png</a:t>
-            </a:r>
-          </a:p>
-        </p:txBody>
-      </p:sp>
-      <p:cxnSp>
-        <p:nvCxnSpPr>
-          <p:cNvPr id="211" name="Straight Arrow Connector 210">
-            <a:extLst>
-              <a:ext uri="{FF2B5EF4-FFF2-40B4-BE49-F238E27FC236}">
-                <a16:creationId xmlns:a16="http://schemas.microsoft.com/office/drawing/2014/main" id="{5DA60087-6A7E-4801-83FC-6A5B1C4DDC36}"/>
-              </a:ext>
-            </a:extLst>
-          </p:cNvPr>
-          <p:cNvCxnSpPr>
-            <a:cxnSpLocks/>
-            <a:stCxn id="197" idx="3"/>
-            <a:endCxn id="210" idx="1"/>
-          </p:cNvCxnSpPr>
-          <p:nvPr/>
-        </p:nvCxnSpPr>
-        <p:spPr>
-          <a:xfrm flipV="1">
-            <a:off x="8064291" y="4557768"/>
-            <a:ext cx="469465" cy="40899"/>
-          </a:xfrm>
-          <a:prstGeom prst="straightConnector1">
-            <a:avLst/>
-          </a:prstGeom>
-          <a:ln>
-            <a:tailEnd type="triangle"/>
-          </a:ln>
-        </p:spPr>
-        <p:style>
-          <a:lnRef idx="1">
-            <a:schemeClr val="accent1"/>
-          </a:lnRef>
-          <a:fillRef idx="0">
-            <a:schemeClr val="accent1"/>
-          </a:fillRef>
-          <a:effectRef idx="0">
-            <a:schemeClr val="accent1"/>
-          </a:effectRef>
-          <a:fontRef idx="minor">
-            <a:schemeClr val="tx1"/>
-          </a:fontRef>
-        </p:style>
-      </p:cxnSp>
-      <p:cxnSp>
-        <p:nvCxnSpPr>
-          <p:cNvPr id="214" name="Straight Arrow Connector 213">
-            <a:extLst>
-              <a:ext uri="{FF2B5EF4-FFF2-40B4-BE49-F238E27FC236}">
-                <a16:creationId xmlns:a16="http://schemas.microsoft.com/office/drawing/2014/main" id="{DA7C4696-748D-45AD-876C-BCE8E27F811B}"/>
-              </a:ext>
-            </a:extLst>
-          </p:cNvPr>
-          <p:cNvCxnSpPr>
-            <a:cxnSpLocks/>
-            <a:stCxn id="209" idx="0"/>
-            <a:endCxn id="197" idx="2"/>
-          </p:cNvCxnSpPr>
-          <p:nvPr/>
-        </p:nvCxnSpPr>
-        <p:spPr>
-          <a:xfrm flipH="1" flipV="1">
-            <a:off x="7423448" y="4783333"/>
-            <a:ext cx="2495682" cy="1023031"/>
-          </a:xfrm>
-          <a:prstGeom prst="straightConnector1">
-            <a:avLst/>
-          </a:prstGeom>
-          <a:ln>
-            <a:tailEnd type="triangle"/>
-          </a:ln>
-        </p:spPr>
-        <p:style>
-          <a:lnRef idx="1">
-            <a:schemeClr val="accent1"/>
-          </a:lnRef>
-          <a:fillRef idx="0">
-            <a:schemeClr val="accent1"/>
-          </a:fillRef>
-          <a:effectRef idx="0">
-            <a:schemeClr val="accent1"/>
-          </a:effectRef>
-          <a:fontRef idx="minor">
-            <a:schemeClr val="tx1"/>
-          </a:fontRef>
-        </p:style>
-      </p:cxnSp>
-      <p:sp>
-        <p:nvSpPr>
-          <p:cNvPr id="223" name="TextBox 222">
-            <a:extLst>
-              <a:ext uri="{FF2B5EF4-FFF2-40B4-BE49-F238E27FC236}">
-                <a16:creationId xmlns:a16="http://schemas.microsoft.com/office/drawing/2014/main" id="{29FA7499-20DC-4D34-BB0C-FFD6A5D97255}"/>
-              </a:ext>
-            </a:extLst>
-          </p:cNvPr>
-          <p:cNvSpPr txBox="1"/>
-          <p:nvPr/>
-        </p:nvSpPr>
-        <p:spPr>
-          <a:xfrm>
-            <a:off x="6495087" y="5851216"/>
-            <a:ext cx="1940015" cy="369332"/>
-          </a:xfrm>
-          <a:prstGeom prst="rect">
-            <a:avLst/>
-          </a:prstGeom>
-          <a:solidFill>
-            <a:schemeClr val="bg2"/>
-          </a:solidFill>
-          <a:ln>
-            <a:solidFill>
-              <a:schemeClr val="tx1"/>
-            </a:solidFill>
-          </a:ln>
-        </p:spPr>
-        <p:txBody>
-          <a:bodyPr wrap="square" rtlCol="0">
-            <a:spAutoFit/>
-          </a:bodyPr>
-          <a:lstStyle/>
-          <a:p>
-            <a:r>
-              <a:rPr lang="en-US" dirty="0" err="1"/>
-              <a:t>Theta_m_interp.R</a:t>
-            </a:r>
-            <a:endParaRPr lang="en-US" dirty="0"/>
-          </a:p>
-        </p:txBody>
-      </p:sp>
-      <p:cxnSp>
-        <p:nvCxnSpPr>
-          <p:cNvPr id="225" name="Straight Arrow Connector 224">
-            <a:extLst>
-              <a:ext uri="{FF2B5EF4-FFF2-40B4-BE49-F238E27FC236}">
-                <a16:creationId xmlns:a16="http://schemas.microsoft.com/office/drawing/2014/main" id="{5DD7FFB9-DFC4-451D-94E0-C36AC18CFF51}"/>
-              </a:ext>
-            </a:extLst>
-          </p:cNvPr>
-          <p:cNvCxnSpPr>
-            <a:cxnSpLocks/>
-            <a:stCxn id="223" idx="3"/>
-            <a:endCxn id="209" idx="1"/>
-          </p:cNvCxnSpPr>
-          <p:nvPr/>
-        </p:nvCxnSpPr>
-        <p:spPr>
-          <a:xfrm flipV="1">
-            <a:off x="8435102" y="5991030"/>
-            <a:ext cx="186927" cy="44852"/>
-          </a:xfrm>
-          <a:prstGeom prst="straightConnector1">
-            <a:avLst/>
-          </a:prstGeom>
-          <a:ln>
-            <a:tailEnd type="triangle"/>
-          </a:ln>
-        </p:spPr>
-        <p:style>
-          <a:lnRef idx="1">
-            <a:schemeClr val="accent1"/>
-          </a:lnRef>
-          <a:fillRef idx="0">
-            <a:schemeClr val="accent1"/>
-          </a:fillRef>
-          <a:effectRef idx="0">
-            <a:schemeClr val="accent1"/>
-          </a:effectRef>
-          <a:fontRef idx="minor">
-            <a:schemeClr val="tx1"/>
-          </a:fontRef>
-        </p:style>
-      </p:cxnSp>
-      <p:cxnSp>
-        <p:nvCxnSpPr>
-          <p:cNvPr id="228" name="Straight Arrow Connector 227">
-            <a:extLst>
-              <a:ext uri="{FF2B5EF4-FFF2-40B4-BE49-F238E27FC236}">
-                <a16:creationId xmlns:a16="http://schemas.microsoft.com/office/drawing/2014/main" id="{28DF493A-D306-4D69-ACC5-50598442B731}"/>
-              </a:ext>
-            </a:extLst>
-          </p:cNvPr>
-          <p:cNvCxnSpPr>
-            <a:cxnSpLocks/>
-            <a:stCxn id="31" idx="3"/>
-            <a:endCxn id="223" idx="0"/>
-          </p:cNvCxnSpPr>
-          <p:nvPr/>
-        </p:nvCxnSpPr>
-        <p:spPr>
-          <a:xfrm>
-            <a:off x="925569" y="932998"/>
-            <a:ext cx="6539526" cy="4918218"/>
-          </a:xfrm>
-          <a:prstGeom prst="straightConnector1">
-            <a:avLst/>
-          </a:prstGeom>
-          <a:ln>
-            <a:tailEnd type="triangle"/>
-          </a:ln>
-        </p:spPr>
-        <p:style>
-          <a:lnRef idx="1">
-            <a:schemeClr val="accent1"/>
-          </a:lnRef>
-          <a:fillRef idx="0">
-            <a:schemeClr val="accent1"/>
-          </a:fillRef>
-          <a:effectRef idx="0">
-            <a:schemeClr val="accent1"/>
-          </a:effectRef>
-          <a:fontRef idx="minor">
-            <a:schemeClr val="tx1"/>
-          </a:fontRef>
-        </p:style>
-      </p:cxnSp>
-      <p:cxnSp>
-        <p:nvCxnSpPr>
-          <p:cNvPr id="231" name="Straight Arrow Connector 230">
-            <a:extLst>
-              <a:ext uri="{FF2B5EF4-FFF2-40B4-BE49-F238E27FC236}">
-                <a16:creationId xmlns:a16="http://schemas.microsoft.com/office/drawing/2014/main" id="{2C6BA181-D309-41CA-8928-1B8B0F0B926D}"/>
-              </a:ext>
-            </a:extLst>
-          </p:cNvPr>
-          <p:cNvCxnSpPr>
-            <a:cxnSpLocks/>
-            <a:stCxn id="166" idx="3"/>
-            <a:endCxn id="223" idx="1"/>
-          </p:cNvCxnSpPr>
-          <p:nvPr/>
-        </p:nvCxnSpPr>
-        <p:spPr>
-          <a:xfrm>
-            <a:off x="5790014" y="5413945"/>
-            <a:ext cx="705073" cy="621937"/>
-          </a:xfrm>
-          <a:prstGeom prst="straightConnector1">
-            <a:avLst/>
-          </a:prstGeom>
-          <a:ln>
-            <a:tailEnd type="triangle"/>
-          </a:ln>
-        </p:spPr>
-        <p:style>
-          <a:lnRef idx="1">
-            <a:schemeClr val="accent1"/>
-          </a:lnRef>
-          <a:fillRef idx="0">
-            <a:schemeClr val="accent1"/>
-          </a:fillRef>
-          <a:effectRef idx="0">
-            <a:schemeClr val="accent1"/>
-          </a:effectRef>
-          <a:fontRef idx="minor">
-            <a:schemeClr val="tx1"/>
-          </a:fontRef>
-        </p:style>
-      </p:cxnSp>
-      <p:cxnSp>
-        <p:nvCxnSpPr>
-          <p:cNvPr id="234" name="Straight Arrow Connector 233">
-            <a:extLst>
-              <a:ext uri="{FF2B5EF4-FFF2-40B4-BE49-F238E27FC236}">
-                <a16:creationId xmlns:a16="http://schemas.microsoft.com/office/drawing/2014/main" id="{E40DE789-C587-4BDC-8DDF-FBFF42A21BB7}"/>
-              </a:ext>
-            </a:extLst>
-          </p:cNvPr>
-          <p:cNvCxnSpPr>
-            <a:cxnSpLocks/>
-            <a:stCxn id="136" idx="3"/>
-            <a:endCxn id="223" idx="1"/>
-          </p:cNvCxnSpPr>
-          <p:nvPr/>
-        </p:nvCxnSpPr>
-        <p:spPr>
-          <a:xfrm>
-            <a:off x="1486870" y="5377608"/>
-            <a:ext cx="5008217" cy="658274"/>
-          </a:xfrm>
-          <a:prstGeom prst="straightConnector1">
-            <a:avLst/>
-          </a:prstGeom>
-          <a:ln>
-            <a:tailEnd type="triangle"/>
-          </a:ln>
-        </p:spPr>
-        <p:style>
-          <a:lnRef idx="1">
-            <a:schemeClr val="accent1"/>
-          </a:lnRef>
-          <a:fillRef idx="0">
-            <a:schemeClr val="accent1"/>
-          </a:fillRef>
-          <a:effectRef idx="0">
-            <a:schemeClr val="accent1"/>
-          </a:effectRef>
-          <a:fontRef idx="minor">
-            <a:schemeClr val="tx1"/>
-          </a:fontRef>
-        </p:style>
-      </p:cxnSp>
-      <p:sp>
-        <p:nvSpPr>
-          <p:cNvPr id="51" name="TextBox 50">
-            <a:extLst>
-              <a:ext uri="{FF2B5EF4-FFF2-40B4-BE49-F238E27FC236}">
-                <a16:creationId xmlns:a16="http://schemas.microsoft.com/office/drawing/2014/main" id="{9C45923D-E44C-4369-922F-D49D60FA9C54}"/>
-              </a:ext>
-            </a:extLst>
-          </p:cNvPr>
-          <p:cNvSpPr txBox="1"/>
-          <p:nvPr/>
-        </p:nvSpPr>
-        <p:spPr>
-          <a:xfrm>
-            <a:off x="6063645" y="986604"/>
-            <a:ext cx="1122780" cy="646331"/>
-          </a:xfrm>
-          <a:prstGeom prst="rect">
-            <a:avLst/>
-          </a:prstGeom>
-          <a:solidFill>
-            <a:schemeClr val="bg2"/>
-          </a:solidFill>
-          <a:ln>
-            <a:solidFill>
-              <a:schemeClr val="tx1"/>
-            </a:solidFill>
-          </a:ln>
-        </p:spPr>
-        <p:txBody>
-          <a:bodyPr wrap="square" rtlCol="0">
-            <a:spAutoFit/>
-          </a:bodyPr>
-          <a:lstStyle/>
-          <a:p>
-            <a:r>
-              <a:rPr lang="en-US" dirty="0"/>
-              <a:t>Phi </a:t>
-            </a:r>
-            <a:r>
-              <a:rPr lang="en-US" dirty="0" err="1"/>
-              <a:t>ordered.R</a:t>
-            </a:r>
-            <a:endParaRPr lang="en-US" dirty="0"/>
-          </a:p>
-        </p:txBody>
-      </p:sp>
-      <p:sp>
-        <p:nvSpPr>
-          <p:cNvPr id="62" name="TextBox 61">
-            <a:extLst>
-              <a:ext uri="{FF2B5EF4-FFF2-40B4-BE49-F238E27FC236}">
-                <a16:creationId xmlns:a16="http://schemas.microsoft.com/office/drawing/2014/main" id="{CAE11B21-F339-408F-807C-5D56A410D204}"/>
-              </a:ext>
-            </a:extLst>
-          </p:cNvPr>
-          <p:cNvSpPr txBox="1"/>
-          <p:nvPr/>
-        </p:nvSpPr>
-        <p:spPr>
-          <a:xfrm>
-            <a:off x="6033039" y="1863854"/>
-            <a:ext cx="1122780" cy="646331"/>
-          </a:xfrm>
-          <a:prstGeom prst="rect">
-            <a:avLst/>
-          </a:prstGeom>
-          <a:solidFill>
-            <a:schemeClr val="bg2"/>
-          </a:solidFill>
-          <a:ln>
-            <a:solidFill>
-              <a:schemeClr val="tx1"/>
-            </a:solidFill>
-          </a:ln>
-        </p:spPr>
-        <p:txBody>
-          <a:bodyPr wrap="square" rtlCol="0">
-            <a:spAutoFit/>
-          </a:bodyPr>
-          <a:lstStyle/>
-          <a:p>
-            <a:r>
-              <a:rPr lang="en-US" dirty="0" err="1"/>
-              <a:t>Thetam</a:t>
-            </a:r>
-            <a:r>
-              <a:rPr lang="en-US" dirty="0"/>
-              <a:t> </a:t>
-            </a:r>
-            <a:r>
-              <a:rPr lang="en-US" dirty="0" err="1"/>
-              <a:t>boxplot.R</a:t>
-            </a:r>
-            <a:endParaRPr lang="en-US" dirty="0"/>
-          </a:p>
-        </p:txBody>
-      </p:sp>
-      <p:sp>
-        <p:nvSpPr>
-          <p:cNvPr id="70" name="TextBox 69">
-            <a:extLst>
-              <a:ext uri="{FF2B5EF4-FFF2-40B4-BE49-F238E27FC236}">
-                <a16:creationId xmlns:a16="http://schemas.microsoft.com/office/drawing/2014/main" id="{59A93EBB-5AB9-4817-A789-8B46162C21C5}"/>
-              </a:ext>
-            </a:extLst>
-          </p:cNvPr>
-          <p:cNvSpPr txBox="1"/>
-          <p:nvPr/>
-        </p:nvSpPr>
-        <p:spPr>
-          <a:xfrm>
-            <a:off x="5707179" y="2899672"/>
-            <a:ext cx="1122780" cy="646331"/>
-          </a:xfrm>
-          <a:prstGeom prst="rect">
-            <a:avLst/>
-          </a:prstGeom>
-          <a:solidFill>
-            <a:schemeClr val="bg2"/>
-          </a:solidFill>
-          <a:ln>
-            <a:solidFill>
-              <a:schemeClr val="tx1"/>
-            </a:solidFill>
-          </a:ln>
-        </p:spPr>
-        <p:txBody>
-          <a:bodyPr wrap="square" rtlCol="0">
-            <a:spAutoFit/>
-          </a:bodyPr>
-          <a:lstStyle/>
-          <a:p>
-            <a:r>
-              <a:rPr lang="en-US" dirty="0"/>
-              <a:t>Theta </a:t>
-            </a:r>
-            <a:r>
-              <a:rPr lang="en-US" dirty="0" err="1"/>
-              <a:t>average.R</a:t>
-            </a:r>
-            <a:endParaRPr lang="en-US" dirty="0"/>
-          </a:p>
-        </p:txBody>
-      </p:sp>
-      <p:sp>
-        <p:nvSpPr>
-          <p:cNvPr id="113" name="TextBox 112">
-            <a:extLst>
-              <a:ext uri="{FF2B5EF4-FFF2-40B4-BE49-F238E27FC236}">
-                <a16:creationId xmlns:a16="http://schemas.microsoft.com/office/drawing/2014/main" id="{3F583E90-41A5-4C57-9CBC-2CF6AEAFA69F}"/>
-              </a:ext>
-            </a:extLst>
-          </p:cNvPr>
-          <p:cNvSpPr txBox="1"/>
-          <p:nvPr/>
-        </p:nvSpPr>
-        <p:spPr>
-          <a:xfrm>
-            <a:off x="3473330" y="-413253"/>
-            <a:ext cx="1604066" cy="369332"/>
-          </a:xfrm>
-          <a:prstGeom prst="rect">
-            <a:avLst/>
-          </a:prstGeom>
-          <a:solidFill>
-            <a:schemeClr val="bg1"/>
-          </a:solidFill>
-          <a:ln>
-            <a:solidFill>
-              <a:srgbClr val="FFC000"/>
-            </a:solidFill>
-          </a:ln>
-        </p:spPr>
-        <p:txBody>
-          <a:bodyPr wrap="square" rtlCol="0">
-            <a:spAutoFit/>
-          </a:bodyPr>
-          <a:lstStyle/>
-          <a:p>
-            <a:r>
-              <a:rPr lang="en-US" dirty="0"/>
-              <a:t>Field data.csv</a:t>
-            </a:r>
-          </a:p>
-        </p:txBody>
-      </p:sp>
-      <p:sp>
-        <p:nvSpPr>
-          <p:cNvPr id="114" name="TextBox 113">
-            <a:extLst>
-              <a:ext uri="{FF2B5EF4-FFF2-40B4-BE49-F238E27FC236}">
-                <a16:creationId xmlns:a16="http://schemas.microsoft.com/office/drawing/2014/main" id="{68AB5AC0-435F-497F-9328-8DF2A4B86C67}"/>
-              </a:ext>
-            </a:extLst>
-          </p:cNvPr>
-          <p:cNvSpPr txBox="1"/>
-          <p:nvPr/>
-        </p:nvSpPr>
-        <p:spPr>
-          <a:xfrm>
-            <a:off x="5471649" y="-532470"/>
-            <a:ext cx="1122780" cy="646331"/>
-          </a:xfrm>
-          <a:prstGeom prst="rect">
-            <a:avLst/>
-          </a:prstGeom>
-          <a:solidFill>
-            <a:schemeClr val="bg2"/>
-          </a:solidFill>
-          <a:ln>
-            <a:solidFill>
-              <a:schemeClr val="tx1"/>
-            </a:solidFill>
-          </a:ln>
-        </p:spPr>
-        <p:txBody>
-          <a:bodyPr wrap="square" rtlCol="0">
-            <a:spAutoFit/>
-          </a:bodyPr>
-          <a:lstStyle/>
-          <a:p>
-            <a:r>
-              <a:rPr lang="en-US" dirty="0"/>
-              <a:t>Diameter </a:t>
-            </a:r>
-            <a:r>
-              <a:rPr lang="en-US" dirty="0" err="1"/>
-              <a:t>distrib.R</a:t>
-            </a:r>
-            <a:endParaRPr lang="en-US" dirty="0"/>
-          </a:p>
-        </p:txBody>
-      </p:sp>
-      <p:sp>
-        <p:nvSpPr>
-          <p:cNvPr id="115" name="TextBox 114">
-            <a:extLst>
-              <a:ext uri="{FF2B5EF4-FFF2-40B4-BE49-F238E27FC236}">
-                <a16:creationId xmlns:a16="http://schemas.microsoft.com/office/drawing/2014/main" id="{390931D4-C2D1-4E16-878F-CA233C6E68B0}"/>
-              </a:ext>
-            </a:extLst>
-          </p:cNvPr>
-          <p:cNvSpPr txBox="1"/>
-          <p:nvPr/>
-        </p:nvSpPr>
-        <p:spPr>
-          <a:xfrm>
-            <a:off x="6912944" y="-560293"/>
-            <a:ext cx="1407618" cy="646331"/>
-          </a:xfrm>
-          <a:prstGeom prst="rect">
-            <a:avLst/>
-          </a:prstGeom>
-          <a:solidFill>
-            <a:schemeClr val="accent2">
-              <a:lumMod val="20000"/>
-              <a:lumOff val="80000"/>
-            </a:schemeClr>
-          </a:solidFill>
-          <a:ln>
-            <a:solidFill>
-              <a:srgbClr val="FF0000"/>
-            </a:solidFill>
-          </a:ln>
-        </p:spPr>
-        <p:txBody>
-          <a:bodyPr wrap="square" rtlCol="0">
-            <a:spAutoFit/>
-          </a:bodyPr>
-          <a:lstStyle/>
-          <a:p>
-            <a:r>
-              <a:rPr lang="en-US" dirty="0"/>
-              <a:t>Diameter </a:t>
-            </a:r>
-            <a:r>
-              <a:rPr lang="en-US" dirty="0" err="1"/>
-              <a:t>distrib</a:t>
-            </a:r>
-            <a:r>
-              <a:rPr lang="en-US" dirty="0"/>
-              <a:t> X.png</a:t>
-            </a:r>
-          </a:p>
-        </p:txBody>
-      </p:sp>
-      <p:sp>
-        <p:nvSpPr>
-          <p:cNvPr id="4" name="TextBox 3">
-            <a:extLst>
-              <a:ext uri="{FF2B5EF4-FFF2-40B4-BE49-F238E27FC236}">
-                <a16:creationId xmlns:a16="http://schemas.microsoft.com/office/drawing/2014/main" id="{DFF97A9B-4860-4AA2-9714-5356B7FCCA2B}"/>
-              </a:ext>
-            </a:extLst>
-          </p:cNvPr>
-          <p:cNvSpPr txBox="1"/>
-          <p:nvPr/>
-        </p:nvSpPr>
-        <p:spPr>
-          <a:xfrm>
-            <a:off x="1273134" y="1026311"/>
+            <a:off x="2141814" y="2095093"/>
             <a:ext cx="1707252" cy="369332"/>
           </a:xfrm>
           <a:prstGeom prst="rect">
@@ -5876,10 +3887,10 @@
       </p:sp>
       <p:sp>
         <p:nvSpPr>
-          <p:cNvPr id="80" name="TextBox 79">
-            <a:extLst>
-              <a:ext uri="{FF2B5EF4-FFF2-40B4-BE49-F238E27FC236}">
-                <a16:creationId xmlns:a16="http://schemas.microsoft.com/office/drawing/2014/main" id="{6D50C2C5-54AD-470B-9A1A-CACF70197EF4}"/>
+          <p:cNvPr id="6" name="TextBox 5">
+            <a:extLst>
+              <a:ext uri="{FF2B5EF4-FFF2-40B4-BE49-F238E27FC236}">
+                <a16:creationId xmlns:a16="http://schemas.microsoft.com/office/drawing/2014/main" id="{07F3D322-E0D0-4F0E-973A-E21CEB87F1C5}"/>
               </a:ext>
             </a:extLst>
           </p:cNvPr>
@@ -5888,178 +3899,7 @@
         </p:nvSpPr>
         <p:spPr>
           <a:xfrm>
-            <a:off x="7064171" y="2823118"/>
-            <a:ext cx="1390260" cy="646331"/>
-          </a:xfrm>
-          <a:prstGeom prst="rect">
-            <a:avLst/>
-          </a:prstGeom>
-          <a:solidFill>
-            <a:schemeClr val="bg1"/>
-          </a:solidFill>
-          <a:ln>
-            <a:solidFill>
-              <a:srgbClr val="FFC000"/>
-            </a:solidFill>
-          </a:ln>
-        </p:spPr>
-        <p:txBody>
-          <a:bodyPr wrap="square" rtlCol="0">
-            <a:spAutoFit/>
-          </a:bodyPr>
-          <a:lstStyle/>
-          <a:p>
-            <a:r>
-              <a:rPr lang="en-US" dirty="0"/>
-              <a:t>Theta average.csv</a:t>
-            </a:r>
-          </a:p>
-        </p:txBody>
-      </p:sp>
-      <p:sp>
-        <p:nvSpPr>
-          <p:cNvPr id="253" name="TextBox 252">
-            <a:extLst>
-              <a:ext uri="{FF2B5EF4-FFF2-40B4-BE49-F238E27FC236}">
-                <a16:creationId xmlns:a16="http://schemas.microsoft.com/office/drawing/2014/main" id="{D01C6344-127C-4319-8F9C-B5845AD7E17E}"/>
-              </a:ext>
-            </a:extLst>
-          </p:cNvPr>
-          <p:cNvSpPr txBox="1"/>
-          <p:nvPr/>
-        </p:nvSpPr>
-        <p:spPr>
-          <a:xfrm>
-            <a:off x="6490982" y="6441049"/>
-            <a:ext cx="1940015" cy="369332"/>
-          </a:xfrm>
-          <a:prstGeom prst="rect">
-            <a:avLst/>
-          </a:prstGeom>
-          <a:solidFill>
-            <a:schemeClr val="bg2"/>
-          </a:solidFill>
-          <a:ln>
-            <a:solidFill>
-              <a:schemeClr val="tx1"/>
-            </a:solidFill>
-          </a:ln>
-        </p:spPr>
-        <p:txBody>
-          <a:bodyPr wrap="square" rtlCol="0">
-            <a:spAutoFit/>
-          </a:bodyPr>
-          <a:lstStyle/>
-          <a:p>
-            <a:r>
-              <a:rPr lang="en-US" dirty="0"/>
-              <a:t>graph1_2_34.R</a:t>
-            </a:r>
-          </a:p>
-        </p:txBody>
-      </p:sp>
-      <p:sp>
-        <p:nvSpPr>
-          <p:cNvPr id="254" name="TextBox 253">
-            <a:extLst>
-              <a:ext uri="{FF2B5EF4-FFF2-40B4-BE49-F238E27FC236}">
-                <a16:creationId xmlns:a16="http://schemas.microsoft.com/office/drawing/2014/main" id="{F7132D38-5DFE-4015-84BD-4490E1D5C330}"/>
-              </a:ext>
-            </a:extLst>
-          </p:cNvPr>
-          <p:cNvSpPr txBox="1"/>
-          <p:nvPr/>
-        </p:nvSpPr>
-        <p:spPr>
-          <a:xfrm>
-            <a:off x="8757446" y="6413227"/>
-            <a:ext cx="1940015" cy="369332"/>
-          </a:xfrm>
-          <a:prstGeom prst="rect">
-            <a:avLst/>
-          </a:prstGeom>
-          <a:solidFill>
-            <a:schemeClr val="accent2">
-              <a:lumMod val="20000"/>
-              <a:lumOff val="80000"/>
-            </a:schemeClr>
-          </a:solidFill>
-          <a:ln>
-            <a:solidFill>
-              <a:srgbClr val="FF0000"/>
-            </a:solidFill>
-          </a:ln>
-        </p:spPr>
-        <p:txBody>
-          <a:bodyPr wrap="square" rtlCol="0">
-            <a:spAutoFit/>
-          </a:bodyPr>
-          <a:lstStyle/>
-          <a:p>
-            <a:r>
-              <a:rPr lang="en-US" dirty="0"/>
-              <a:t>graph1_2_34.png</a:t>
-            </a:r>
-          </a:p>
-        </p:txBody>
-      </p:sp>
-      <p:cxnSp>
-        <p:nvCxnSpPr>
-          <p:cNvPr id="256" name="Straight Arrow Connector 255">
-            <a:extLst>
-              <a:ext uri="{FF2B5EF4-FFF2-40B4-BE49-F238E27FC236}">
-                <a16:creationId xmlns:a16="http://schemas.microsoft.com/office/drawing/2014/main" id="{26A2EF88-D0C3-4F0E-89CC-BE9D57DE08BB}"/>
-              </a:ext>
-            </a:extLst>
-          </p:cNvPr>
-          <p:cNvCxnSpPr>
-            <a:stCxn id="253" idx="3"/>
-            <a:endCxn id="254" idx="1"/>
-          </p:cNvCxnSpPr>
-          <p:nvPr/>
-        </p:nvCxnSpPr>
-        <p:spPr>
-          <a:xfrm flipV="1">
-            <a:off x="8430997" y="6597893"/>
-            <a:ext cx="326449" cy="27822"/>
-          </a:xfrm>
-          <a:prstGeom prst="straightConnector1">
-            <a:avLst/>
-          </a:prstGeom>
-          <a:ln>
-            <a:tailEnd type="triangle"/>
-          </a:ln>
-        </p:spPr>
-        <p:style>
-          <a:lnRef idx="1">
-            <a:schemeClr val="accent1"/>
-          </a:lnRef>
-          <a:fillRef idx="0">
-            <a:schemeClr val="accent1"/>
-          </a:fillRef>
-          <a:effectRef idx="0">
-            <a:schemeClr val="accent1"/>
-          </a:effectRef>
-          <a:fontRef idx="minor">
-            <a:schemeClr val="tx1"/>
-          </a:fontRef>
-        </p:style>
-      </p:cxnSp>
-      <p:sp>
-        <p:nvSpPr>
-          <p:cNvPr id="257" name="TextBox 256">
-            <a:extLst>
-              <a:ext uri="{FF2B5EF4-FFF2-40B4-BE49-F238E27FC236}">
-                <a16:creationId xmlns:a16="http://schemas.microsoft.com/office/drawing/2014/main" id="{358BB61C-602A-4C31-8D69-B94F0A4C6AFA}"/>
-              </a:ext>
-            </a:extLst>
-          </p:cNvPr>
-          <p:cNvSpPr txBox="1"/>
-          <p:nvPr/>
-        </p:nvSpPr>
-        <p:spPr>
-          <a:xfrm>
-            <a:off x="4296116" y="6188301"/>
+            <a:off x="4379977" y="1208916"/>
             <a:ext cx="1813932" cy="369332"/>
           </a:xfrm>
           <a:prstGeom prst="rect">
@@ -6080,17 +3920,17 @@
           <a:p>
             <a:r>
               <a:rPr lang="en-US" dirty="0"/>
-              <a:t>data 2014.csv</a:t>
-            </a:r>
-          </a:p>
-        </p:txBody>
-      </p:sp>
-      <p:sp>
-        <p:nvSpPr>
-          <p:cNvPr id="258" name="TextBox 257">
-            <a:extLst>
-              <a:ext uri="{FF2B5EF4-FFF2-40B4-BE49-F238E27FC236}">
-                <a16:creationId xmlns:a16="http://schemas.microsoft.com/office/drawing/2014/main" id="{B6D9C252-BC94-4CD4-A65A-6832DC654AF3}"/>
+              <a:t>2014\theta.m.csv</a:t>
+            </a:r>
+          </a:p>
+        </p:txBody>
+      </p:sp>
+      <p:sp>
+        <p:nvSpPr>
+          <p:cNvPr id="32" name="TextBox 31">
+            <a:extLst>
+              <a:ext uri="{FF2B5EF4-FFF2-40B4-BE49-F238E27FC236}">
+                <a16:creationId xmlns:a16="http://schemas.microsoft.com/office/drawing/2014/main" id="{11B2FF06-9B76-4A58-855D-98AB7A475626}"/>
               </a:ext>
             </a:extLst>
           </p:cNvPr>
@@ -6099,560 +3939,7 @@
         </p:nvSpPr>
         <p:spPr>
           <a:xfrm>
-            <a:off x="4315054" y="6679120"/>
-            <a:ext cx="1582826" cy="369332"/>
-          </a:xfrm>
-          <a:prstGeom prst="rect">
-            <a:avLst/>
-          </a:prstGeom>
-          <a:solidFill>
-            <a:schemeClr val="bg1"/>
-          </a:solidFill>
-          <a:ln>
-            <a:solidFill>
-              <a:srgbClr val="FFC000"/>
-            </a:solidFill>
-          </a:ln>
-        </p:spPr>
-        <p:txBody>
-          <a:bodyPr wrap="square" rtlCol="0">
-            <a:spAutoFit/>
-          </a:bodyPr>
-          <a:lstStyle/>
-          <a:p>
-            <a:r>
-              <a:rPr lang="en-US" dirty="0"/>
-              <a:t>Data 2018.csv</a:t>
-            </a:r>
-          </a:p>
-        </p:txBody>
-      </p:sp>
-      <p:cxnSp>
-        <p:nvCxnSpPr>
-          <p:cNvPr id="259" name="Straight Arrow Connector 258">
-            <a:extLst>
-              <a:ext uri="{FF2B5EF4-FFF2-40B4-BE49-F238E27FC236}">
-                <a16:creationId xmlns:a16="http://schemas.microsoft.com/office/drawing/2014/main" id="{FF22737C-4A01-4881-96C4-5419A60BCBA2}"/>
-              </a:ext>
-            </a:extLst>
-          </p:cNvPr>
-          <p:cNvCxnSpPr>
-            <a:cxnSpLocks/>
-            <a:stCxn id="257" idx="3"/>
-            <a:endCxn id="253" idx="1"/>
-          </p:cNvCxnSpPr>
-          <p:nvPr/>
-        </p:nvCxnSpPr>
-        <p:spPr>
-          <a:xfrm>
-            <a:off x="6110048" y="6372967"/>
-            <a:ext cx="380934" cy="252748"/>
-          </a:xfrm>
-          <a:prstGeom prst="straightConnector1">
-            <a:avLst/>
-          </a:prstGeom>
-          <a:ln>
-            <a:tailEnd type="triangle"/>
-          </a:ln>
-        </p:spPr>
-        <p:style>
-          <a:lnRef idx="1">
-            <a:schemeClr val="accent1"/>
-          </a:lnRef>
-          <a:fillRef idx="0">
-            <a:schemeClr val="accent1"/>
-          </a:fillRef>
-          <a:effectRef idx="0">
-            <a:schemeClr val="accent1"/>
-          </a:effectRef>
-          <a:fontRef idx="minor">
-            <a:schemeClr val="tx1"/>
-          </a:fontRef>
-        </p:style>
-      </p:cxnSp>
-      <p:cxnSp>
-        <p:nvCxnSpPr>
-          <p:cNvPr id="262" name="Straight Arrow Connector 261">
-            <a:extLst>
-              <a:ext uri="{FF2B5EF4-FFF2-40B4-BE49-F238E27FC236}">
-                <a16:creationId xmlns:a16="http://schemas.microsoft.com/office/drawing/2014/main" id="{A3ED01F1-96C8-4FB6-A6B7-2D3CA500E48C}"/>
-              </a:ext>
-            </a:extLst>
-          </p:cNvPr>
-          <p:cNvCxnSpPr>
-            <a:cxnSpLocks/>
-            <a:stCxn id="258" idx="3"/>
-            <a:endCxn id="253" idx="1"/>
-          </p:cNvCxnSpPr>
-          <p:nvPr/>
-        </p:nvCxnSpPr>
-        <p:spPr>
-          <a:xfrm flipV="1">
-            <a:off x="5897880" y="6625715"/>
-            <a:ext cx="593102" cy="238071"/>
-          </a:xfrm>
-          <a:prstGeom prst="straightConnector1">
-            <a:avLst/>
-          </a:prstGeom>
-          <a:ln>
-            <a:tailEnd type="triangle"/>
-          </a:ln>
-        </p:spPr>
-        <p:style>
-          <a:lnRef idx="1">
-            <a:schemeClr val="accent1"/>
-          </a:lnRef>
-          <a:fillRef idx="0">
-            <a:schemeClr val="accent1"/>
-          </a:fillRef>
-          <a:effectRef idx="0">
-            <a:schemeClr val="accent1"/>
-          </a:effectRef>
-          <a:fontRef idx="minor">
-            <a:schemeClr val="tx1"/>
-          </a:fontRef>
-        </p:style>
-      </p:cxnSp>
-      <p:sp>
-        <p:nvSpPr>
-          <p:cNvPr id="265" name="TextBox 264">
-            <a:extLst>
-              <a:ext uri="{FF2B5EF4-FFF2-40B4-BE49-F238E27FC236}">
-                <a16:creationId xmlns:a16="http://schemas.microsoft.com/office/drawing/2014/main" id="{7F51CFED-A8B5-470F-862D-A8945AED7A2A}"/>
-              </a:ext>
-            </a:extLst>
-          </p:cNvPr>
-          <p:cNvSpPr txBox="1"/>
-          <p:nvPr/>
-        </p:nvSpPr>
-        <p:spPr>
-          <a:xfrm>
-            <a:off x="2381409" y="6422758"/>
-            <a:ext cx="1465595" cy="369332"/>
-          </a:xfrm>
-          <a:prstGeom prst="rect">
-            <a:avLst/>
-          </a:prstGeom>
-          <a:solidFill>
-            <a:schemeClr val="bg2"/>
-          </a:solidFill>
-          <a:ln>
-            <a:solidFill>
-              <a:schemeClr val="tx1"/>
-            </a:solidFill>
-          </a:ln>
-        </p:spPr>
-        <p:txBody>
-          <a:bodyPr wrap="square" rtlCol="0">
-            <a:spAutoFit/>
-          </a:bodyPr>
-          <a:lstStyle/>
-          <a:p>
-            <a:r>
-              <a:rPr lang="en-US" dirty="0"/>
-              <a:t>Data XXXX.R</a:t>
-            </a:r>
-          </a:p>
-        </p:txBody>
-      </p:sp>
-      <p:cxnSp>
-        <p:nvCxnSpPr>
-          <p:cNvPr id="266" name="Straight Arrow Connector 265">
-            <a:extLst>
-              <a:ext uri="{FF2B5EF4-FFF2-40B4-BE49-F238E27FC236}">
-                <a16:creationId xmlns:a16="http://schemas.microsoft.com/office/drawing/2014/main" id="{837CE696-AC0D-40CE-8BEB-F4B56E0A6E57}"/>
-              </a:ext>
-            </a:extLst>
-          </p:cNvPr>
-          <p:cNvCxnSpPr>
-            <a:cxnSpLocks/>
-            <a:stCxn id="265" idx="3"/>
-            <a:endCxn id="258" idx="1"/>
-          </p:cNvCxnSpPr>
-          <p:nvPr/>
-        </p:nvCxnSpPr>
-        <p:spPr>
-          <a:xfrm>
-            <a:off x="3847004" y="6607424"/>
-            <a:ext cx="468050" cy="256362"/>
-          </a:xfrm>
-          <a:prstGeom prst="straightConnector1">
-            <a:avLst/>
-          </a:prstGeom>
-          <a:ln>
-            <a:tailEnd type="triangle"/>
-          </a:ln>
-        </p:spPr>
-        <p:style>
-          <a:lnRef idx="1">
-            <a:schemeClr val="accent1"/>
-          </a:lnRef>
-          <a:fillRef idx="0">
-            <a:schemeClr val="accent1"/>
-          </a:fillRef>
-          <a:effectRef idx="0">
-            <a:schemeClr val="accent1"/>
-          </a:effectRef>
-          <a:fontRef idx="minor">
-            <a:schemeClr val="tx1"/>
-          </a:fontRef>
-        </p:style>
-      </p:cxnSp>
-      <p:cxnSp>
-        <p:nvCxnSpPr>
-          <p:cNvPr id="269" name="Straight Arrow Connector 268">
-            <a:extLst>
-              <a:ext uri="{FF2B5EF4-FFF2-40B4-BE49-F238E27FC236}">
-                <a16:creationId xmlns:a16="http://schemas.microsoft.com/office/drawing/2014/main" id="{8A18D18D-398B-464E-86D4-2554F6DC194F}"/>
-              </a:ext>
-            </a:extLst>
-          </p:cNvPr>
-          <p:cNvCxnSpPr>
-            <a:cxnSpLocks/>
-            <a:stCxn id="265" idx="3"/>
-            <a:endCxn id="257" idx="1"/>
-          </p:cNvCxnSpPr>
-          <p:nvPr/>
-        </p:nvCxnSpPr>
-        <p:spPr>
-          <a:xfrm flipV="1">
-            <a:off x="3847004" y="6372967"/>
-            <a:ext cx="449112" cy="234457"/>
-          </a:xfrm>
-          <a:prstGeom prst="straightConnector1">
-            <a:avLst/>
-          </a:prstGeom>
-          <a:ln>
-            <a:tailEnd type="triangle"/>
-          </a:ln>
-        </p:spPr>
-        <p:style>
-          <a:lnRef idx="1">
-            <a:schemeClr val="accent1"/>
-          </a:lnRef>
-          <a:fillRef idx="0">
-            <a:schemeClr val="accent1"/>
-          </a:fillRef>
-          <a:effectRef idx="0">
-            <a:schemeClr val="accent1"/>
-          </a:effectRef>
-          <a:fontRef idx="minor">
-            <a:schemeClr val="tx1"/>
-          </a:fontRef>
-        </p:style>
-      </p:cxnSp>
-      <p:cxnSp>
-        <p:nvCxnSpPr>
-          <p:cNvPr id="274" name="Straight Arrow Connector 273">
-            <a:extLst>
-              <a:ext uri="{FF2B5EF4-FFF2-40B4-BE49-F238E27FC236}">
-                <a16:creationId xmlns:a16="http://schemas.microsoft.com/office/drawing/2014/main" id="{BE61A7D2-B1CA-4864-8648-B34D081475FD}"/>
-              </a:ext>
-            </a:extLst>
-          </p:cNvPr>
-          <p:cNvCxnSpPr>
-            <a:cxnSpLocks/>
-            <a:stCxn id="166" idx="2"/>
-            <a:endCxn id="265" idx="0"/>
-          </p:cNvCxnSpPr>
-          <p:nvPr/>
-        </p:nvCxnSpPr>
-        <p:spPr>
-          <a:xfrm flipH="1">
-            <a:off x="3114207" y="5598611"/>
-            <a:ext cx="1768841" cy="824147"/>
-          </a:xfrm>
-          <a:prstGeom prst="straightConnector1">
-            <a:avLst/>
-          </a:prstGeom>
-          <a:ln>
-            <a:tailEnd type="triangle"/>
-          </a:ln>
-        </p:spPr>
-        <p:style>
-          <a:lnRef idx="1">
-            <a:schemeClr val="accent1"/>
-          </a:lnRef>
-          <a:fillRef idx="0">
-            <a:schemeClr val="accent1"/>
-          </a:fillRef>
-          <a:effectRef idx="0">
-            <a:schemeClr val="accent1"/>
-          </a:effectRef>
-          <a:fontRef idx="minor">
-            <a:schemeClr val="tx1"/>
-          </a:fontRef>
-        </p:style>
-      </p:cxnSp>
-      <p:cxnSp>
-        <p:nvCxnSpPr>
-          <p:cNvPr id="277" name="Straight Arrow Connector 276">
-            <a:extLst>
-              <a:ext uri="{FF2B5EF4-FFF2-40B4-BE49-F238E27FC236}">
-                <a16:creationId xmlns:a16="http://schemas.microsoft.com/office/drawing/2014/main" id="{14C14D33-AE44-411D-A3DF-75F5773F564D}"/>
-              </a:ext>
-            </a:extLst>
-          </p:cNvPr>
-          <p:cNvCxnSpPr>
-            <a:cxnSpLocks/>
-            <a:stCxn id="136" idx="3"/>
-            <a:endCxn id="265" idx="0"/>
-          </p:cNvCxnSpPr>
-          <p:nvPr/>
-        </p:nvCxnSpPr>
-        <p:spPr>
-          <a:xfrm>
-            <a:off x="1486870" y="5377608"/>
-            <a:ext cx="1627337" cy="1045150"/>
-          </a:xfrm>
-          <a:prstGeom prst="straightConnector1">
-            <a:avLst/>
-          </a:prstGeom>
-          <a:ln>
-            <a:tailEnd type="triangle"/>
-          </a:ln>
-        </p:spPr>
-        <p:style>
-          <a:lnRef idx="1">
-            <a:schemeClr val="accent1"/>
-          </a:lnRef>
-          <a:fillRef idx="0">
-            <a:schemeClr val="accent1"/>
-          </a:fillRef>
-          <a:effectRef idx="0">
-            <a:schemeClr val="accent1"/>
-          </a:effectRef>
-          <a:fontRef idx="minor">
-            <a:schemeClr val="tx1"/>
-          </a:fontRef>
-        </p:style>
-      </p:cxnSp>
-      <p:cxnSp>
-        <p:nvCxnSpPr>
-          <p:cNvPr id="280" name="Straight Arrow Connector 279">
-            <a:extLst>
-              <a:ext uri="{FF2B5EF4-FFF2-40B4-BE49-F238E27FC236}">
-                <a16:creationId xmlns:a16="http://schemas.microsoft.com/office/drawing/2014/main" id="{18A6EEA5-6EE2-48AB-A3EA-6056309712D3}"/>
-              </a:ext>
-            </a:extLst>
-          </p:cNvPr>
-          <p:cNvCxnSpPr>
-            <a:cxnSpLocks/>
-            <a:stCxn id="31" idx="3"/>
-            <a:endCxn id="265" idx="0"/>
-          </p:cNvCxnSpPr>
-          <p:nvPr/>
-        </p:nvCxnSpPr>
-        <p:spPr>
-          <a:xfrm>
-            <a:off x="925569" y="932998"/>
-            <a:ext cx="2188638" cy="5489760"/>
-          </a:xfrm>
-          <a:prstGeom prst="straightConnector1">
-            <a:avLst/>
-          </a:prstGeom>
-          <a:ln>
-            <a:tailEnd type="triangle"/>
-          </a:ln>
-        </p:spPr>
-        <p:style>
-          <a:lnRef idx="1">
-            <a:schemeClr val="accent1"/>
-          </a:lnRef>
-          <a:fillRef idx="0">
-            <a:schemeClr val="accent1"/>
-          </a:fillRef>
-          <a:effectRef idx="0">
-            <a:schemeClr val="accent1"/>
-          </a:effectRef>
-          <a:fontRef idx="minor">
-            <a:schemeClr val="tx1"/>
-          </a:fontRef>
-        </p:style>
-      </p:cxnSp>
-      <p:cxnSp>
-        <p:nvCxnSpPr>
-          <p:cNvPr id="283" name="Straight Arrow Connector 282">
-            <a:extLst>
-              <a:ext uri="{FF2B5EF4-FFF2-40B4-BE49-F238E27FC236}">
-                <a16:creationId xmlns:a16="http://schemas.microsoft.com/office/drawing/2014/main" id="{05E62E1E-BF41-4783-A2D8-BCFE20051C1D}"/>
-              </a:ext>
-            </a:extLst>
-          </p:cNvPr>
-          <p:cNvCxnSpPr>
-            <a:cxnSpLocks/>
-            <a:stCxn id="6" idx="2"/>
-            <a:endCxn id="265" idx="0"/>
-          </p:cNvCxnSpPr>
-          <p:nvPr/>
-        </p:nvCxnSpPr>
-        <p:spPr>
-          <a:xfrm flipH="1">
-            <a:off x="3114207" y="509466"/>
-            <a:ext cx="1304056" cy="5913292"/>
-          </a:xfrm>
-          <a:prstGeom prst="straightConnector1">
-            <a:avLst/>
-          </a:prstGeom>
-          <a:ln>
-            <a:tailEnd type="triangle"/>
-          </a:ln>
-        </p:spPr>
-        <p:style>
-          <a:lnRef idx="1">
-            <a:schemeClr val="accent1"/>
-          </a:lnRef>
-          <a:fillRef idx="0">
-            <a:schemeClr val="accent1"/>
-          </a:fillRef>
-          <a:effectRef idx="0">
-            <a:schemeClr val="accent1"/>
-          </a:effectRef>
-          <a:fontRef idx="minor">
-            <a:schemeClr val="tx1"/>
-          </a:fontRef>
-        </p:style>
-      </p:cxnSp>
-      <p:sp>
-        <p:nvSpPr>
-          <p:cNvPr id="286" name="TextBox 285">
-            <a:extLst>
-              <a:ext uri="{FF2B5EF4-FFF2-40B4-BE49-F238E27FC236}">
-                <a16:creationId xmlns:a16="http://schemas.microsoft.com/office/drawing/2014/main" id="{DC77DAE0-A7A0-4E97-9364-92A937B37467}"/>
-              </a:ext>
-            </a:extLst>
-          </p:cNvPr>
-          <p:cNvSpPr txBox="1"/>
-          <p:nvPr/>
-        </p:nvSpPr>
-        <p:spPr>
-          <a:xfrm>
-            <a:off x="975769" y="6145759"/>
-            <a:ext cx="1099922" cy="646331"/>
-          </a:xfrm>
-          <a:prstGeom prst="rect">
-            <a:avLst/>
-          </a:prstGeom>
-          <a:solidFill>
-            <a:schemeClr val="bg1"/>
-          </a:solidFill>
-          <a:ln>
-            <a:solidFill>
-              <a:srgbClr val="FFC000"/>
-            </a:solidFill>
-          </a:ln>
-        </p:spPr>
-        <p:txBody>
-          <a:bodyPr wrap="square" rtlCol="0">
-            <a:spAutoFit/>
-          </a:bodyPr>
-          <a:lstStyle/>
-          <a:p>
-            <a:r>
-              <a:rPr lang="en-US" dirty="0"/>
-              <a:t>Coord select.csv</a:t>
-            </a:r>
-          </a:p>
-        </p:txBody>
-      </p:sp>
-      <p:cxnSp>
-        <p:nvCxnSpPr>
-          <p:cNvPr id="287" name="Straight Arrow Connector 286">
-            <a:extLst>
-              <a:ext uri="{FF2B5EF4-FFF2-40B4-BE49-F238E27FC236}">
-                <a16:creationId xmlns:a16="http://schemas.microsoft.com/office/drawing/2014/main" id="{7ACFB4B1-30AD-4E80-9A2F-2CFC88F490FF}"/>
-              </a:ext>
-            </a:extLst>
-          </p:cNvPr>
-          <p:cNvCxnSpPr>
-            <a:cxnSpLocks/>
-            <a:stCxn id="286" idx="3"/>
-            <a:endCxn id="265" idx="1"/>
-          </p:cNvCxnSpPr>
-          <p:nvPr/>
-        </p:nvCxnSpPr>
-        <p:spPr>
-          <a:xfrm>
-            <a:off x="2075691" y="6468925"/>
-            <a:ext cx="305718" cy="138499"/>
-          </a:xfrm>
-          <a:prstGeom prst="straightConnector1">
-            <a:avLst/>
-          </a:prstGeom>
-          <a:ln>
-            <a:tailEnd type="triangle"/>
-          </a:ln>
-        </p:spPr>
-        <p:style>
-          <a:lnRef idx="1">
-            <a:schemeClr val="accent1"/>
-          </a:lnRef>
-          <a:fillRef idx="0">
-            <a:schemeClr val="accent1"/>
-          </a:fillRef>
-          <a:effectRef idx="0">
-            <a:schemeClr val="accent1"/>
-          </a:effectRef>
-          <a:fontRef idx="minor">
-            <a:schemeClr val="tx1"/>
-          </a:fontRef>
-        </p:style>
-      </p:cxnSp>
-      <p:sp>
-        <p:nvSpPr>
-          <p:cNvPr id="6" name="TextBox 5">
-            <a:extLst>
-              <a:ext uri="{FF2B5EF4-FFF2-40B4-BE49-F238E27FC236}">
-                <a16:creationId xmlns:a16="http://schemas.microsoft.com/office/drawing/2014/main" id="{07F3D322-E0D0-4F0E-973A-E21CEB87F1C5}"/>
-              </a:ext>
-            </a:extLst>
-          </p:cNvPr>
-          <p:cNvSpPr txBox="1"/>
-          <p:nvPr/>
-        </p:nvSpPr>
-        <p:spPr>
-          <a:xfrm>
-            <a:off x="3511297" y="140134"/>
-            <a:ext cx="1813932" cy="369332"/>
-          </a:xfrm>
-          <a:prstGeom prst="rect">
-            <a:avLst/>
-          </a:prstGeom>
-          <a:noFill/>
-          <a:ln>
-            <a:solidFill>
-              <a:srgbClr val="FFC000"/>
-            </a:solidFill>
-          </a:ln>
-        </p:spPr>
-        <p:txBody>
-          <a:bodyPr wrap="square" rtlCol="0">
-            <a:spAutoFit/>
-          </a:bodyPr>
-          <a:lstStyle/>
-          <a:p>
-            <a:r>
-              <a:rPr lang="en-US" dirty="0"/>
-              <a:t>2014\theta.m.csv</a:t>
-            </a:r>
-          </a:p>
-        </p:txBody>
-      </p:sp>
-      <p:sp>
-        <p:nvSpPr>
-          <p:cNvPr id="32" name="TextBox 31">
-            <a:extLst>
-              <a:ext uri="{FF2B5EF4-FFF2-40B4-BE49-F238E27FC236}">
-                <a16:creationId xmlns:a16="http://schemas.microsoft.com/office/drawing/2014/main" id="{11B2FF06-9B76-4A58-855D-98AB7A475626}"/>
-              </a:ext>
-            </a:extLst>
-          </p:cNvPr>
-          <p:cNvSpPr txBox="1"/>
-          <p:nvPr/>
-        </p:nvSpPr>
-        <p:spPr>
-          <a:xfrm>
-            <a:off x="-411480" y="1275488"/>
+            <a:off x="457200" y="2344270"/>
             <a:ext cx="1337049" cy="369332"/>
           </a:xfrm>
           <a:prstGeom prst="rect">
@@ -6694,7 +3981,7 @@
         </p:nvSpPr>
         <p:spPr>
           <a:xfrm>
-            <a:off x="149821" y="5192942"/>
+            <a:off x="4310341" y="3441779"/>
             <a:ext cx="1337049" cy="369332"/>
           </a:xfrm>
           <a:prstGeom prst="rect">
@@ -6736,7 +4023,7 @@
         </p:nvSpPr>
         <p:spPr>
           <a:xfrm>
-            <a:off x="149821" y="5720098"/>
+            <a:off x="4310341" y="3968935"/>
             <a:ext cx="1337049" cy="369332"/>
           </a:xfrm>
           <a:prstGeom prst="rect">
@@ -6766,10 +4053,10 @@
       </p:sp>
       <p:sp>
         <p:nvSpPr>
-          <p:cNvPr id="22" name="TextBox 21">
-            <a:extLst>
-              <a:ext uri="{FF2B5EF4-FFF2-40B4-BE49-F238E27FC236}">
-                <a16:creationId xmlns:a16="http://schemas.microsoft.com/office/drawing/2014/main" id="{E9F9723A-8373-4AEA-A073-495C4EE50A00}"/>
+          <p:cNvPr id="138" name="TextBox 137">
+            <a:extLst>
+              <a:ext uri="{FF2B5EF4-FFF2-40B4-BE49-F238E27FC236}">
+                <a16:creationId xmlns:a16="http://schemas.microsoft.com/office/drawing/2014/main" id="{180A0CB7-0051-4241-8E5F-3D7F7909AD4B}"/>
               </a:ext>
             </a:extLst>
           </p:cNvPr>
@@ -6778,55 +4065,7 @@
         </p:nvSpPr>
         <p:spPr>
           <a:xfrm>
-            <a:off x="3675516" y="2655353"/>
-            <a:ext cx="1390260" cy="646331"/>
-          </a:xfrm>
-          <a:prstGeom prst="rect">
-            <a:avLst/>
-          </a:prstGeom>
-          <a:solidFill>
-            <a:schemeClr val="accent6">
-              <a:lumMod val="20000"/>
-              <a:lumOff val="80000"/>
-            </a:schemeClr>
-          </a:solidFill>
-          <a:ln>
-            <a:solidFill>
-              <a:schemeClr val="accent6">
-                <a:lumMod val="75000"/>
-              </a:schemeClr>
-            </a:solidFill>
-          </a:ln>
-        </p:spPr>
-        <p:txBody>
-          <a:bodyPr wrap="square" rtlCol="0">
-            <a:spAutoFit/>
-          </a:bodyPr>
-          <a:lstStyle/>
-          <a:p>
-            <a:r>
-              <a:rPr lang="en-US" dirty="0" err="1"/>
-              <a:t>Polygon_A_B_C_D.shp</a:t>
-            </a:r>
-            <a:endParaRPr lang="en-US" dirty="0"/>
-          </a:p>
-        </p:txBody>
-      </p:sp>
-      <p:sp>
-        <p:nvSpPr>
-          <p:cNvPr id="138" name="TextBox 137">
-            <a:extLst>
-              <a:ext uri="{FF2B5EF4-FFF2-40B4-BE49-F238E27FC236}">
-                <a16:creationId xmlns:a16="http://schemas.microsoft.com/office/drawing/2014/main" id="{180A0CB7-0051-4241-8E5F-3D7F7909AD4B}"/>
-              </a:ext>
-            </a:extLst>
-          </p:cNvPr>
-          <p:cNvSpPr txBox="1"/>
-          <p:nvPr/>
-        </p:nvSpPr>
-        <p:spPr>
-          <a:xfrm>
-            <a:off x="1825291" y="5309441"/>
+            <a:off x="5985811" y="3558278"/>
             <a:ext cx="1948602" cy="646331"/>
           </a:xfrm>
           <a:prstGeom prst="rect">
@@ -6873,7 +4112,7 @@
         </p:nvSpPr>
         <p:spPr>
           <a:xfrm>
-            <a:off x="3995020" y="5720098"/>
+            <a:off x="8155540" y="3968935"/>
             <a:ext cx="1381860" cy="369332"/>
           </a:xfrm>
           <a:prstGeom prst="rect">
@@ -6915,7 +4154,7 @@
         </p:nvSpPr>
         <p:spPr>
           <a:xfrm>
-            <a:off x="3675516" y="1275488"/>
+            <a:off x="4544196" y="2344270"/>
             <a:ext cx="1381860" cy="369332"/>
           </a:xfrm>
           <a:prstGeom prst="rect">
@@ -6945,10 +4184,10 @@
       </p:sp>
       <p:sp>
         <p:nvSpPr>
-          <p:cNvPr id="21" name="TextBox 20">
-            <a:extLst>
-              <a:ext uri="{FF2B5EF4-FFF2-40B4-BE49-F238E27FC236}">
-                <a16:creationId xmlns:a16="http://schemas.microsoft.com/office/drawing/2014/main" id="{CE1754EC-9B73-47E3-B150-120AF4091356}"/>
+          <p:cNvPr id="7" name="TextBox 6">
+            <a:extLst>
+              <a:ext uri="{FF2B5EF4-FFF2-40B4-BE49-F238E27FC236}">
+                <a16:creationId xmlns:a16="http://schemas.microsoft.com/office/drawing/2014/main" id="{80FA1F42-0EED-4EA5-B7DD-3D73C0E6DD93}"/>
               </a:ext>
             </a:extLst>
           </p:cNvPr>
@@ -6957,55 +4196,7 @@
         </p:nvSpPr>
         <p:spPr>
           <a:xfrm>
-            <a:off x="3675516" y="1843165"/>
-            <a:ext cx="1390260" cy="646331"/>
-          </a:xfrm>
-          <a:prstGeom prst="rect">
-            <a:avLst/>
-          </a:prstGeom>
-          <a:solidFill>
-            <a:schemeClr val="accent6">
-              <a:lumMod val="20000"/>
-              <a:lumOff val="80000"/>
-            </a:schemeClr>
-          </a:solidFill>
-          <a:ln>
-            <a:solidFill>
-              <a:schemeClr val="accent6">
-                <a:lumMod val="75000"/>
-              </a:schemeClr>
-            </a:solidFill>
-          </a:ln>
-        </p:spPr>
-        <p:txBody>
-          <a:bodyPr wrap="square" rtlCol="0">
-            <a:spAutoFit/>
-          </a:bodyPr>
-          <a:lstStyle/>
-          <a:p>
-            <a:r>
-              <a:rPr lang="en-US" dirty="0" err="1"/>
-              <a:t>Rio_tanguro_dissp.shp</a:t>
-            </a:r>
-            <a:endParaRPr lang="en-US" dirty="0"/>
-          </a:p>
-        </p:txBody>
-      </p:sp>
-      <p:sp>
-        <p:nvSpPr>
-          <p:cNvPr id="7" name="TextBox 6">
-            <a:extLst>
-              <a:ext uri="{FF2B5EF4-FFF2-40B4-BE49-F238E27FC236}">
-                <a16:creationId xmlns:a16="http://schemas.microsoft.com/office/drawing/2014/main" id="{80FA1F42-0EED-4EA5-B7DD-3D73C0E6DD93}"/>
-              </a:ext>
-            </a:extLst>
-          </p:cNvPr>
-          <p:cNvSpPr txBox="1"/>
-          <p:nvPr/>
-        </p:nvSpPr>
-        <p:spPr>
-          <a:xfrm>
-            <a:off x="3565229" y="707811"/>
+            <a:off x="4433909" y="1776593"/>
             <a:ext cx="1623209" cy="369332"/>
           </a:xfrm>
           <a:prstGeom prst="rect">
@@ -7029,52 +4220,6 @@
             <a:r>
               <a:rPr lang="en-US" dirty="0"/>
               <a:t>2014\phi.m.csv</a:t>
-            </a:r>
-          </a:p>
-        </p:txBody>
-      </p:sp>
-      <p:sp>
-        <p:nvSpPr>
-          <p:cNvPr id="76" name="TextBox 75">
-            <a:extLst>
-              <a:ext uri="{FF2B5EF4-FFF2-40B4-BE49-F238E27FC236}">
-                <a16:creationId xmlns:a16="http://schemas.microsoft.com/office/drawing/2014/main" id="{BDBA7F3A-3228-4479-A238-19C13736CB74}"/>
-              </a:ext>
-            </a:extLst>
-          </p:cNvPr>
-          <p:cNvSpPr txBox="1"/>
-          <p:nvPr/>
-        </p:nvSpPr>
-        <p:spPr>
-          <a:xfrm>
-            <a:off x="3662878" y="3529698"/>
-            <a:ext cx="1390260" cy="646331"/>
-          </a:xfrm>
-          <a:prstGeom prst="rect">
-            <a:avLst/>
-          </a:prstGeom>
-          <a:solidFill>
-            <a:schemeClr val="bg1"/>
-          </a:solidFill>
-          <a:ln>
-            <a:solidFill>
-              <a:srgbClr val="FFC000"/>
-            </a:solidFill>
-          </a:ln>
-        </p:spPr>
-        <p:txBody>
-          <a:bodyPr wrap="square" rtlCol="0">
-            <a:spAutoFit/>
-          </a:bodyPr>
-          <a:lstStyle/>
-          <a:p>
-            <a:r>
-              <a:rPr lang="en-US" dirty="0" err="1"/>
-              <a:t>Dist</a:t>
-            </a:r>
-            <a:r>
-              <a:rPr lang="en-US" dirty="0"/>
-              <a:t> edge for theta.csv</a:t>
             </a:r>
           </a:p>
         </p:txBody>
